--- a/graphs/RNA_Correlation_Graphs.pptx
+++ b/graphs/RNA_Correlation_Graphs.pptx
@@ -8,12 +8,17 @@
     <p:sldId id="256" r:id="rId2"/>
     <p:sldId id="264" r:id="rId3"/>
     <p:sldId id="258" r:id="rId4"/>
-    <p:sldId id="257" r:id="rId5"/>
-    <p:sldId id="259" r:id="rId6"/>
-    <p:sldId id="260" r:id="rId7"/>
-    <p:sldId id="261" r:id="rId8"/>
-    <p:sldId id="262" r:id="rId9"/>
-    <p:sldId id="263" r:id="rId10"/>
+    <p:sldId id="265" r:id="rId5"/>
+    <p:sldId id="257" r:id="rId6"/>
+    <p:sldId id="266" r:id="rId7"/>
+    <p:sldId id="267" r:id="rId8"/>
+    <p:sldId id="259" r:id="rId9"/>
+    <p:sldId id="268" r:id="rId10"/>
+    <p:sldId id="269" r:id="rId11"/>
+    <p:sldId id="260" r:id="rId12"/>
+    <p:sldId id="261" r:id="rId13"/>
+    <p:sldId id="262" r:id="rId14"/>
+    <p:sldId id="263" r:id="rId15"/>
   </p:sldIdLst>
   <p:sldSz cx="12192000" cy="6858000"/>
   <p:notesSz cx="6858000" cy="9144000"/>
@@ -112,6 +117,11 @@
       </a:defRPr>
     </a:lvl9pPr>
   </p:defaultTextStyle>
+  <p:extLst>
+    <p:ext uri="{EFAFB233-063F-42B5-8137-9DF3F51BA10A}">
+      <p15:sldGuideLst xmlns:p15="http://schemas.microsoft.com/office/powerpoint/2012/main"/>
+    </p:ext>
+  </p:extLst>
 </p:presentation>
 </file>
 
@@ -129,67 +139,7 @@
     </mc:Fallback>
   </mc:AlternateContent>
   <c:chart>
-    <c:title>
-      <c:tx>
-        <c:rich>
-          <a:bodyPr rot="0" spcFirstLastPara="1" vertOverflow="ellipsis" vert="horz" wrap="square" anchor="ctr" anchorCtr="1"/>
-          <a:lstStyle/>
-          <a:p>
-            <a:pPr>
-              <a:defRPr sz="1400" b="0" i="0" u="none" strike="noStrike" kern="1200" spc="0" baseline="0">
-                <a:solidFill>
-                  <a:schemeClr val="tx1">
-                    <a:lumMod val="65000"/>
-                    <a:lumOff val="35000"/>
-                  </a:schemeClr>
-                </a:solidFill>
-                <a:latin typeface="+mn-lt"/>
-                <a:ea typeface="+mn-ea"/>
-                <a:cs typeface="+mn-cs"/>
-              </a:defRPr>
-            </a:pPr>
-            <a:r>
-              <a:rPr lang="en-US"/>
-              <a:t>RNA</a:t>
-            </a:r>
-            <a:r>
-              <a:rPr lang="en-US" baseline="0"/>
-              <a:t> Correlation</a:t>
-            </a:r>
-            <a:endParaRPr lang="en-US"/>
-          </a:p>
-        </c:rich>
-      </c:tx>
-      <c:overlay val="0"/>
-      <c:spPr>
-        <a:noFill/>
-        <a:ln>
-          <a:noFill/>
-        </a:ln>
-        <a:effectLst/>
-      </c:spPr>
-      <c:txPr>
-        <a:bodyPr rot="0" spcFirstLastPara="1" vertOverflow="ellipsis" vert="horz" wrap="square" anchor="ctr" anchorCtr="1"/>
-        <a:lstStyle/>
-        <a:p>
-          <a:pPr>
-            <a:defRPr sz="1400" b="0" i="0" u="none" strike="noStrike" kern="1200" spc="0" baseline="0">
-              <a:solidFill>
-                <a:schemeClr val="tx1">
-                  <a:lumMod val="65000"/>
-                  <a:lumOff val="35000"/>
-                </a:schemeClr>
-              </a:solidFill>
-              <a:latin typeface="+mn-lt"/>
-              <a:ea typeface="+mn-ea"/>
-              <a:cs typeface="+mn-cs"/>
-            </a:defRPr>
-          </a:pPr>
-          <a:endParaRPr lang="en-US"/>
-        </a:p>
-      </c:txPr>
-    </c:title>
-    <c:autoTitleDeleted val="0"/>
+    <c:autoTitleDeleted val="1"/>
     <c:plotArea>
       <c:layout/>
       <c:lineChart>
@@ -223,28 +173,43 @@
           </c:marker>
           <c:cat>
             <c:strRef>
-              <c:f>'-CCCAUGU &amp; No Max'!$M$2:$M$8</c:f>
+              <c:f>'-CCCAUGU &amp; No Max'!$M$2:$M$13</c:f>
               <c:strCache>
-                <c:ptCount val="7"/>
+                <c:ptCount val="12"/>
                 <c:pt idx="0">
                   <c:v>8.0 PHI</c:v>
                 </c:pt>
                 <c:pt idx="1">
+                  <c:v>9.0 PHI</c:v>
+                </c:pt>
+                <c:pt idx="2">
                   <c:v>9.5 PHI</c:v>
                 </c:pt>
-                <c:pt idx="2">
+                <c:pt idx="3">
+                  <c:v>10.0 PHI</c:v>
+                </c:pt>
+                <c:pt idx="4">
+                  <c:v>10.5 PHI</c:v>
+                </c:pt>
+                <c:pt idx="5">
                   <c:v>11.0 PHI</c:v>
                 </c:pt>
-                <c:pt idx="3">
+                <c:pt idx="6">
+                  <c:v>11.5 PHI</c:v>
+                </c:pt>
+                <c:pt idx="7">
+                  <c:v>12.0 PHI</c:v>
+                </c:pt>
+                <c:pt idx="8">
                   <c:v>12.5 PHI</c:v>
                 </c:pt>
-                <c:pt idx="4">
+                <c:pt idx="9">
                   <c:v>14.0 PHI</c:v>
                 </c:pt>
-                <c:pt idx="5">
+                <c:pt idx="10">
                   <c:v>15.5 PHI</c:v>
                 </c:pt>
-                <c:pt idx="6">
+                <c:pt idx="11">
                   <c:v>17.0 PHI</c:v>
                 </c:pt>
               </c:strCache>
@@ -252,29 +217,44 @@
           </c:cat>
           <c:val>
             <c:numRef>
-              <c:f>'-CCCAUGU &amp; No Max'!$N$2:$N$8</c:f>
+              <c:f>'-CCCAUGU &amp; No Max'!$N$2:$N$13</c:f>
               <c:numCache>
                 <c:formatCode>General</c:formatCode>
-                <c:ptCount val="7"/>
+                <c:ptCount val="12"/>
                 <c:pt idx="0">
                   <c:v>0.10100000000000001</c:v>
                 </c:pt>
                 <c:pt idx="1">
+                  <c:v>0.187</c:v>
+                </c:pt>
+                <c:pt idx="2">
                   <c:v>0.18099999999999999</c:v>
                 </c:pt>
-                <c:pt idx="2">
+                <c:pt idx="3">
+                  <c:v>0.17899999999999999</c:v>
+                </c:pt>
+                <c:pt idx="4">
+                  <c:v>0.17499999999999999</c:v>
+                </c:pt>
+                <c:pt idx="5">
                   <c:v>0.16</c:v>
                 </c:pt>
-                <c:pt idx="3">
+                <c:pt idx="6">
+                  <c:v>0.156</c:v>
+                </c:pt>
+                <c:pt idx="7">
+                  <c:v>0.16900000000000001</c:v>
+                </c:pt>
+                <c:pt idx="8">
                   <c:v>0.16800000000000001</c:v>
                 </c:pt>
-                <c:pt idx="4">
+                <c:pt idx="9">
                   <c:v>0.14799999999999999</c:v>
                 </c:pt>
-                <c:pt idx="5">
+                <c:pt idx="10">
                   <c:v>0.184</c:v>
                 </c:pt>
-                <c:pt idx="6">
+                <c:pt idx="11">
                   <c:v>0.16200000000000001</c:v>
                 </c:pt>
               </c:numCache>
@@ -283,7 +263,7 @@
           <c:smooth val="0"/>
           <c:extLst>
             <c:ext xmlns:c16="http://schemas.microsoft.com/office/drawing/2014/chart" uri="{C3380CC4-5D6E-409C-BE32-E72D297353CC}">
-              <c16:uniqueId val="{00000000-45A2-3448-95F5-412ADE3A88C2}"/>
+              <c16:uniqueId val="{00000000-7CEB-A74B-9F73-09FBFA8E8432}"/>
             </c:ext>
           </c:extLst>
         </c:ser>
@@ -315,28 +295,43 @@
           </c:marker>
           <c:cat>
             <c:strRef>
-              <c:f>'-CCCAUGU &amp; No Max'!$M$2:$M$8</c:f>
+              <c:f>'-CCCAUGU &amp; No Max'!$M$2:$M$13</c:f>
               <c:strCache>
-                <c:ptCount val="7"/>
+                <c:ptCount val="12"/>
                 <c:pt idx="0">
                   <c:v>8.0 PHI</c:v>
                 </c:pt>
                 <c:pt idx="1">
+                  <c:v>9.0 PHI</c:v>
+                </c:pt>
+                <c:pt idx="2">
                   <c:v>9.5 PHI</c:v>
                 </c:pt>
-                <c:pt idx="2">
+                <c:pt idx="3">
+                  <c:v>10.0 PHI</c:v>
+                </c:pt>
+                <c:pt idx="4">
+                  <c:v>10.5 PHI</c:v>
+                </c:pt>
+                <c:pt idx="5">
                   <c:v>11.0 PHI</c:v>
                 </c:pt>
-                <c:pt idx="3">
+                <c:pt idx="6">
+                  <c:v>11.5 PHI</c:v>
+                </c:pt>
+                <c:pt idx="7">
+                  <c:v>12.0 PHI</c:v>
+                </c:pt>
+                <c:pt idx="8">
                   <c:v>12.5 PHI</c:v>
                 </c:pt>
-                <c:pt idx="4">
+                <c:pt idx="9">
                   <c:v>14.0 PHI</c:v>
                 </c:pt>
-                <c:pt idx="5">
+                <c:pt idx="10">
                   <c:v>15.5 PHI</c:v>
                 </c:pt>
-                <c:pt idx="6">
+                <c:pt idx="11">
                   <c:v>17.0 PHI</c:v>
                 </c:pt>
               </c:strCache>
@@ -344,29 +339,44 @@
           </c:cat>
           <c:val>
             <c:numRef>
-              <c:f>'-CCCAUGU &amp; No Max'!$O$2:$O$8</c:f>
+              <c:f>'-CCCAUGU &amp; No Max'!$O$2:$O$13</c:f>
               <c:numCache>
                 <c:formatCode>General</c:formatCode>
-                <c:ptCount val="7"/>
+                <c:ptCount val="12"/>
                 <c:pt idx="0">
                   <c:v>0.122</c:v>
                 </c:pt>
                 <c:pt idx="1">
+                  <c:v>0.36499999999999999</c:v>
+                </c:pt>
+                <c:pt idx="2">
                   <c:v>0.40200000000000002</c:v>
                 </c:pt>
-                <c:pt idx="2">
+                <c:pt idx="3">
+                  <c:v>0.378</c:v>
+                </c:pt>
+                <c:pt idx="4">
+                  <c:v>0.315</c:v>
+                </c:pt>
+                <c:pt idx="5">
                   <c:v>0.28499999999999998</c:v>
                 </c:pt>
-                <c:pt idx="3">
+                <c:pt idx="6">
+                  <c:v>0.27800000000000002</c:v>
+                </c:pt>
+                <c:pt idx="7">
+                  <c:v>0.30599999999999999</c:v>
+                </c:pt>
+                <c:pt idx="8">
                   <c:v>0.28899999999999998</c:v>
                 </c:pt>
-                <c:pt idx="4">
+                <c:pt idx="9">
                   <c:v>0.318</c:v>
                 </c:pt>
-                <c:pt idx="5">
+                <c:pt idx="10">
                   <c:v>0.33700000000000002</c:v>
                 </c:pt>
-                <c:pt idx="6">
+                <c:pt idx="11">
                   <c:v>0.26200000000000001</c:v>
                 </c:pt>
               </c:numCache>
@@ -375,7 +385,7 @@
           <c:smooth val="0"/>
           <c:extLst>
             <c:ext xmlns:c16="http://schemas.microsoft.com/office/drawing/2014/chart" uri="{C3380CC4-5D6E-409C-BE32-E72D297353CC}">
-              <c16:uniqueId val="{00000001-45A2-3448-95F5-412ADE3A88C2}"/>
+              <c16:uniqueId val="{00000001-7CEB-A74B-9F73-09FBFA8E8432}"/>
             </c:ext>
           </c:extLst>
         </c:ser>
@@ -407,28 +417,43 @@
           </c:marker>
           <c:cat>
             <c:strRef>
-              <c:f>'-CCCAUGU &amp; No Max'!$M$2:$M$8</c:f>
+              <c:f>'-CCCAUGU &amp; No Max'!$M$2:$M$13</c:f>
               <c:strCache>
-                <c:ptCount val="7"/>
+                <c:ptCount val="12"/>
                 <c:pt idx="0">
                   <c:v>8.0 PHI</c:v>
                 </c:pt>
                 <c:pt idx="1">
+                  <c:v>9.0 PHI</c:v>
+                </c:pt>
+                <c:pt idx="2">
                   <c:v>9.5 PHI</c:v>
                 </c:pt>
-                <c:pt idx="2">
+                <c:pt idx="3">
+                  <c:v>10.0 PHI</c:v>
+                </c:pt>
+                <c:pt idx="4">
+                  <c:v>10.5 PHI</c:v>
+                </c:pt>
+                <c:pt idx="5">
                   <c:v>11.0 PHI</c:v>
                 </c:pt>
-                <c:pt idx="3">
+                <c:pt idx="6">
+                  <c:v>11.5 PHI</c:v>
+                </c:pt>
+                <c:pt idx="7">
+                  <c:v>12.0 PHI</c:v>
+                </c:pt>
+                <c:pt idx="8">
                   <c:v>12.5 PHI</c:v>
                 </c:pt>
-                <c:pt idx="4">
+                <c:pt idx="9">
                   <c:v>14.0 PHI</c:v>
                 </c:pt>
-                <c:pt idx="5">
+                <c:pt idx="10">
                   <c:v>15.5 PHI</c:v>
                 </c:pt>
-                <c:pt idx="6">
+                <c:pt idx="11">
                   <c:v>17.0 PHI</c:v>
                 </c:pt>
               </c:strCache>
@@ -436,29 +461,44 @@
           </c:cat>
           <c:val>
             <c:numRef>
-              <c:f>'-CCCAUGU &amp; No Max'!$P$2:$P$8</c:f>
+              <c:f>'-CCCAUGU &amp; No Max'!$P$2:$P$13</c:f>
               <c:numCache>
                 <c:formatCode>General</c:formatCode>
-                <c:ptCount val="7"/>
+                <c:ptCount val="12"/>
                 <c:pt idx="0">
                   <c:v>0.01</c:v>
                 </c:pt>
                 <c:pt idx="1">
+                  <c:v>3.5000000000000003E-2</c:v>
+                </c:pt>
+                <c:pt idx="2">
                   <c:v>3.3000000000000002E-2</c:v>
                 </c:pt>
-                <c:pt idx="2">
+                <c:pt idx="3">
+                  <c:v>3.2000000000000001E-2</c:v>
+                </c:pt>
+                <c:pt idx="4">
+                  <c:v>3.1E-2</c:v>
+                </c:pt>
+                <c:pt idx="5">
                   <c:v>2.5999999999999999E-2</c:v>
                 </c:pt>
-                <c:pt idx="3">
+                <c:pt idx="6">
+                  <c:v>2.4E-2</c:v>
+                </c:pt>
+                <c:pt idx="7">
                   <c:v>2.8000000000000001E-2</c:v>
                 </c:pt>
-                <c:pt idx="4">
+                <c:pt idx="8">
+                  <c:v>2.8000000000000001E-2</c:v>
+                </c:pt>
+                <c:pt idx="9">
                   <c:v>2.1999999999999999E-2</c:v>
                 </c:pt>
-                <c:pt idx="5">
+                <c:pt idx="10">
                   <c:v>3.4000000000000002E-2</c:v>
                 </c:pt>
-                <c:pt idx="6">
+                <c:pt idx="11">
                   <c:v>2.5999999999999999E-2</c:v>
                 </c:pt>
               </c:numCache>
@@ -467,7 +507,7 @@
           <c:smooth val="0"/>
           <c:extLst>
             <c:ext xmlns:c16="http://schemas.microsoft.com/office/drawing/2014/chart" uri="{C3380CC4-5D6E-409C-BE32-E72D297353CC}">
-              <c16:uniqueId val="{00000002-45A2-3448-95F5-412ADE3A88C2}"/>
+              <c16:uniqueId val="{00000002-7CEB-A74B-9F73-09FBFA8E8432}"/>
             </c:ext>
           </c:extLst>
         </c:ser>
@@ -490,6 +530,61 @@
         </c:scaling>
         <c:delete val="0"/>
         <c:axPos val="b"/>
+        <c:title>
+          <c:tx>
+            <c:rich>
+              <a:bodyPr rot="0" spcFirstLastPara="1" vertOverflow="ellipsis" vert="horz" wrap="square" anchor="ctr" anchorCtr="1"/>
+              <a:lstStyle/>
+              <a:p>
+                <a:pPr>
+                  <a:defRPr sz="1400" b="0" i="0" u="none" strike="noStrike" kern="1200" baseline="0">
+                    <a:solidFill>
+                      <a:schemeClr val="tx1">
+                        <a:lumMod val="65000"/>
+                        <a:lumOff val="35000"/>
+                      </a:schemeClr>
+                    </a:solidFill>
+                    <a:latin typeface="+mn-lt"/>
+                    <a:ea typeface="+mn-ea"/>
+                    <a:cs typeface="+mn-cs"/>
+                  </a:defRPr>
+                </a:pPr>
+                <a:r>
+                  <a:rPr lang="en-US" dirty="0"/>
+                  <a:t>Phi Angle</a:t>
+                </a:r>
+              </a:p>
+            </c:rich>
+          </c:tx>
+          <c:overlay val="0"/>
+          <c:spPr>
+            <a:noFill/>
+            <a:ln>
+              <a:noFill/>
+            </a:ln>
+            <a:effectLst/>
+          </c:spPr>
+          <c:txPr>
+            <a:bodyPr rot="0" spcFirstLastPara="1" vertOverflow="ellipsis" vert="horz" wrap="square" anchor="ctr" anchorCtr="1"/>
+            <a:lstStyle/>
+            <a:p>
+              <a:pPr>
+                <a:defRPr sz="1400" b="0" i="0" u="none" strike="noStrike" kern="1200" baseline="0">
+                  <a:solidFill>
+                    <a:schemeClr val="tx1">
+                      <a:lumMod val="65000"/>
+                      <a:lumOff val="35000"/>
+                    </a:schemeClr>
+                  </a:solidFill>
+                  <a:latin typeface="+mn-lt"/>
+                  <a:ea typeface="+mn-ea"/>
+                  <a:cs typeface="+mn-cs"/>
+                </a:defRPr>
+              </a:pPr>
+              <a:endParaRPr lang="en-US"/>
+            </a:p>
+          </c:txPr>
+        </c:title>
         <c:numFmt formatCode="General" sourceLinked="1"/>
         <c:majorTickMark val="none"/>
         <c:minorTickMark val="none"/>
@@ -512,7 +607,7 @@
           <a:lstStyle/>
           <a:p>
             <a:pPr>
-              <a:defRPr sz="900" b="0" i="0" u="none" strike="noStrike" kern="1200" baseline="0">
+              <a:defRPr sz="1400" b="0" i="0" u="none" strike="noStrike" kern="1200" baseline="0">
                 <a:solidFill>
                   <a:schemeClr val="tx1">
                     <a:lumMod val="65000"/>
@@ -555,6 +650,61 @@
             <a:effectLst/>
           </c:spPr>
         </c:majorGridlines>
+        <c:title>
+          <c:tx>
+            <c:rich>
+              <a:bodyPr rot="-5400000" spcFirstLastPara="1" vertOverflow="ellipsis" vert="horz" wrap="square" anchor="ctr" anchorCtr="1"/>
+              <a:lstStyle/>
+              <a:p>
+                <a:pPr>
+                  <a:defRPr sz="1400" b="0" i="0" u="none" strike="noStrike" kern="1200" baseline="0">
+                    <a:solidFill>
+                      <a:schemeClr val="tx1">
+                        <a:lumMod val="65000"/>
+                        <a:lumOff val="35000"/>
+                      </a:schemeClr>
+                    </a:solidFill>
+                    <a:latin typeface="+mn-lt"/>
+                    <a:ea typeface="+mn-ea"/>
+                    <a:cs typeface="+mn-cs"/>
+                  </a:defRPr>
+                </a:pPr>
+                <a:r>
+                  <a:rPr lang="en-US" dirty="0"/>
+                  <a:t>Correlation Coefficient</a:t>
+                </a:r>
+              </a:p>
+            </c:rich>
+          </c:tx>
+          <c:overlay val="0"/>
+          <c:spPr>
+            <a:noFill/>
+            <a:ln>
+              <a:noFill/>
+            </a:ln>
+            <a:effectLst/>
+          </c:spPr>
+          <c:txPr>
+            <a:bodyPr rot="-5400000" spcFirstLastPara="1" vertOverflow="ellipsis" vert="horz" wrap="square" anchor="ctr" anchorCtr="1"/>
+            <a:lstStyle/>
+            <a:p>
+              <a:pPr>
+                <a:defRPr sz="1400" b="0" i="0" u="none" strike="noStrike" kern="1200" baseline="0">
+                  <a:solidFill>
+                    <a:schemeClr val="tx1">
+                      <a:lumMod val="65000"/>
+                      <a:lumOff val="35000"/>
+                    </a:schemeClr>
+                  </a:solidFill>
+                  <a:latin typeface="+mn-lt"/>
+                  <a:ea typeface="+mn-ea"/>
+                  <a:cs typeface="+mn-cs"/>
+                </a:defRPr>
+              </a:pPr>
+              <a:endParaRPr lang="en-US"/>
+            </a:p>
+          </c:txPr>
+        </c:title>
         <c:numFmt formatCode="General" sourceLinked="1"/>
         <c:majorTickMark val="none"/>
         <c:minorTickMark val="none"/>
@@ -571,7 +721,7 @@
           <a:lstStyle/>
           <a:p>
             <a:pPr>
-              <a:defRPr sz="900" b="0" i="0" u="none" strike="noStrike" kern="1200" baseline="0">
+              <a:defRPr sz="1400" b="0" i="0" u="none" strike="noStrike" kern="1200" baseline="0">
                 <a:solidFill>
                   <a:schemeClr val="tx1">
                     <a:lumMod val="65000"/>
@@ -613,7 +763,7 @@
         <a:lstStyle/>
         <a:p>
           <a:pPr>
-            <a:defRPr sz="900" b="0" i="0" u="none" strike="noStrike" kern="1200" baseline="0">
+            <a:defRPr sz="1400" b="0" i="0" u="none" strike="noStrike" kern="1200" baseline="0">
               <a:solidFill>
                 <a:schemeClr val="tx1">
                   <a:lumMod val="65000"/>
@@ -652,7 +802,7 @@
     <a:lstStyle/>
     <a:p>
       <a:pPr>
-        <a:defRPr/>
+        <a:defRPr sz="1400"/>
       </a:pPr>
       <a:endParaRPr lang="en-US"/>
     </a:p>
@@ -1366,7 +1516,7 @@
           <a:p>
             <a:fld id="{A32A9E20-4433-FE47-B764-5F8407B8DD04}" type="datetimeFigureOut">
               <a:rPr lang="en-US" smtClean="0"/>
-              <a:t>4/11/24</a:t>
+              <a:t>5/7/24</a:t>
             </a:fld>
             <a:endParaRPr lang="en-US"/>
           </a:p>
@@ -1564,7 +1714,7 @@
           <a:p>
             <a:fld id="{A32A9E20-4433-FE47-B764-5F8407B8DD04}" type="datetimeFigureOut">
               <a:rPr lang="en-US" smtClean="0"/>
-              <a:t>4/11/24</a:t>
+              <a:t>5/7/24</a:t>
             </a:fld>
             <a:endParaRPr lang="en-US"/>
           </a:p>
@@ -1772,7 +1922,7 @@
           <a:p>
             <a:fld id="{A32A9E20-4433-FE47-B764-5F8407B8DD04}" type="datetimeFigureOut">
               <a:rPr lang="en-US" smtClean="0"/>
-              <a:t>4/11/24</a:t>
+              <a:t>5/7/24</a:t>
             </a:fld>
             <a:endParaRPr lang="en-US"/>
           </a:p>
@@ -1970,7 +2120,7 @@
           <a:p>
             <a:fld id="{A32A9E20-4433-FE47-B764-5F8407B8DD04}" type="datetimeFigureOut">
               <a:rPr lang="en-US" smtClean="0"/>
-              <a:t>4/11/24</a:t>
+              <a:t>5/7/24</a:t>
             </a:fld>
             <a:endParaRPr lang="en-US"/>
           </a:p>
@@ -2245,7 +2395,7 @@
           <a:p>
             <a:fld id="{A32A9E20-4433-FE47-B764-5F8407B8DD04}" type="datetimeFigureOut">
               <a:rPr lang="en-US" smtClean="0"/>
-              <a:t>4/11/24</a:t>
+              <a:t>5/7/24</a:t>
             </a:fld>
             <a:endParaRPr lang="en-US"/>
           </a:p>
@@ -2510,7 +2660,7 @@
           <a:p>
             <a:fld id="{A32A9E20-4433-FE47-B764-5F8407B8DD04}" type="datetimeFigureOut">
               <a:rPr lang="en-US" smtClean="0"/>
-              <a:t>4/11/24</a:t>
+              <a:t>5/7/24</a:t>
             </a:fld>
             <a:endParaRPr lang="en-US"/>
           </a:p>
@@ -2922,7 +3072,7 @@
           <a:p>
             <a:fld id="{A32A9E20-4433-FE47-B764-5F8407B8DD04}" type="datetimeFigureOut">
               <a:rPr lang="en-US" smtClean="0"/>
-              <a:t>4/11/24</a:t>
+              <a:t>5/7/24</a:t>
             </a:fld>
             <a:endParaRPr lang="en-US"/>
           </a:p>
@@ -3063,7 +3213,7 @@
           <a:p>
             <a:fld id="{A32A9E20-4433-FE47-B764-5F8407B8DD04}" type="datetimeFigureOut">
               <a:rPr lang="en-US" smtClean="0"/>
-              <a:t>4/11/24</a:t>
+              <a:t>5/7/24</a:t>
             </a:fld>
             <a:endParaRPr lang="en-US"/>
           </a:p>
@@ -3176,7 +3326,7 @@
           <a:p>
             <a:fld id="{A32A9E20-4433-FE47-B764-5F8407B8DD04}" type="datetimeFigureOut">
               <a:rPr lang="en-US" smtClean="0"/>
-              <a:t>4/11/24</a:t>
+              <a:t>5/7/24</a:t>
             </a:fld>
             <a:endParaRPr lang="en-US"/>
           </a:p>
@@ -3487,7 +3637,7 @@
           <a:p>
             <a:fld id="{A32A9E20-4433-FE47-B764-5F8407B8DD04}" type="datetimeFigureOut">
               <a:rPr lang="en-US" smtClean="0"/>
-              <a:t>4/11/24</a:t>
+              <a:t>5/7/24</a:t>
             </a:fld>
             <a:endParaRPr lang="en-US"/>
           </a:p>
@@ -3775,7 +3925,7 @@
           <a:p>
             <a:fld id="{A32A9E20-4433-FE47-B764-5F8407B8DD04}" type="datetimeFigureOut">
               <a:rPr lang="en-US" smtClean="0"/>
-              <a:t>4/11/24</a:t>
+              <a:t>5/7/24</a:t>
             </a:fld>
             <a:endParaRPr lang="en-US"/>
           </a:p>
@@ -4016,7 +4166,7 @@
           <a:p>
             <a:fld id="{A32A9E20-4433-FE47-B764-5F8407B8DD04}" type="datetimeFigureOut">
               <a:rPr lang="en-US" smtClean="0"/>
-              <a:t>4/11/24</a:t>
+              <a:t>5/7/24</a:t>
             </a:fld>
             <a:endParaRPr lang="en-US"/>
           </a:p>
@@ -4474,6 +4624,1617 @@
 </p:sld>
 </file>
 
+<file path=ppt/slides/slide10.xml><?xml version="1.0" encoding="utf-8"?>
+<p:sld xmlns:a="http://schemas.openxmlformats.org/drawingml/2006/main" xmlns:r="http://schemas.openxmlformats.org/officeDocument/2006/relationships" xmlns:p="http://schemas.openxmlformats.org/presentationml/2006/main">
+  <p:cSld>
+    <p:bg>
+      <p:bgPr>
+        <a:solidFill>
+          <a:schemeClr val="bg1"/>
+        </a:solidFill>
+        <a:effectLst/>
+      </p:bgPr>
+    </p:bg>
+    <p:spTree>
+      <p:nvGrpSpPr>
+        <p:cNvPr id="1" name=""/>
+        <p:cNvGrpSpPr/>
+        <p:nvPr/>
+      </p:nvGrpSpPr>
+      <p:grpSpPr>
+        <a:xfrm>
+          <a:off x="0" y="0"/>
+          <a:ext cx="0" cy="0"/>
+          <a:chOff x="0" y="0"/>
+          <a:chExt cx="0" cy="0"/>
+        </a:xfrm>
+      </p:grpSpPr>
+      <p:sp useBgFill="1">
+        <p:nvSpPr>
+          <p:cNvPr id="12302" name="Rectangle 12301">
+            <a:extLst>
+              <a:ext uri="{FF2B5EF4-FFF2-40B4-BE49-F238E27FC236}">
+                <a16:creationId xmlns:a16="http://schemas.microsoft.com/office/drawing/2014/main" id="{70155189-D96C-4527-B0EC-654B946BE615}"/>
+              </a:ext>
+              <a:ext uri="{C183D7F6-B498-43B3-948B-1728B52AA6E4}">
+                <adec:decorative xmlns:adec="http://schemas.microsoft.com/office/drawing/2017/decorative" val="1"/>
+              </a:ext>
+            </a:extLst>
+          </p:cNvPr>
+          <p:cNvSpPr>
+            <a:spLocks noGrp="1" noRot="1" noChangeAspect="1" noMove="1" noResize="1" noEditPoints="1" noAdjustHandles="1" noChangeArrowheads="1" noChangeShapeType="1" noTextEdit="1"/>
+          </p:cNvSpPr>
+          <p:nvPr>
+            <p:extLst>
+              <p:ext uri="{386F3935-93C4-4BCD-93E2-E3B085C9AB24}">
+                <p16:designElem xmlns:p16="http://schemas.microsoft.com/office/powerpoint/2015/main" val="1"/>
+              </p:ext>
+            </p:extLst>
+          </p:nvPr>
+        </p:nvSpPr>
+        <p:spPr>
+          <a:xfrm>
+            <a:off x="-1" y="0"/>
+            <a:ext cx="12188952" cy="6858000"/>
+          </a:xfrm>
+          <a:prstGeom prst="rect">
+            <a:avLst/>
+          </a:prstGeom>
+          <a:ln>
+            <a:noFill/>
+          </a:ln>
+        </p:spPr>
+        <p:style>
+          <a:lnRef idx="2">
+            <a:schemeClr val="accent1">
+              <a:shade val="50000"/>
+            </a:schemeClr>
+          </a:lnRef>
+          <a:fillRef idx="1">
+            <a:schemeClr val="accent1"/>
+          </a:fillRef>
+          <a:effectRef idx="0">
+            <a:schemeClr val="accent1"/>
+          </a:effectRef>
+          <a:fontRef idx="minor">
+            <a:schemeClr val="lt1"/>
+          </a:fontRef>
+        </p:style>
+        <p:txBody>
+          <a:bodyPr rtlCol="0" anchor="ctr"/>
+          <a:lstStyle/>
+          <a:p>
+            <a:pPr algn="ctr"/>
+            <a:endParaRPr lang="en-US"/>
+          </a:p>
+        </p:txBody>
+      </p:sp>
+      <p:sp>
+        <p:nvSpPr>
+          <p:cNvPr id="2" name="Title 1">
+            <a:extLst>
+              <a:ext uri="{FF2B5EF4-FFF2-40B4-BE49-F238E27FC236}">
+                <a16:creationId xmlns:a16="http://schemas.microsoft.com/office/drawing/2014/main" id="{7C645D3D-E223-11D0-00B3-422462C56376}"/>
+              </a:ext>
+            </a:extLst>
+          </p:cNvPr>
+          <p:cNvSpPr>
+            <a:spLocks noGrp="1"/>
+          </p:cNvSpPr>
+          <p:nvPr>
+            <p:ph type="title"/>
+          </p:nvPr>
+        </p:nvSpPr>
+        <p:spPr>
+          <a:xfrm>
+            <a:off x="838200" y="557189"/>
+            <a:ext cx="10515600" cy="2057043"/>
+          </a:xfrm>
+        </p:spPr>
+        <p:txBody>
+          <a:bodyPr vert="horz" lIns="91440" tIns="45720" rIns="91440" bIns="45720" rtlCol="0" anchor="ctr">
+            <a:normAutofit/>
+          </a:bodyPr>
+          <a:lstStyle/>
+          <a:p>
+            <a:r>
+              <a:rPr lang="en-US" sz="5200" kern="1200" dirty="0">
+                <a:solidFill>
+                  <a:schemeClr val="tx1"/>
+                </a:solidFill>
+                <a:latin typeface="+mj-lt"/>
+                <a:ea typeface="+mj-ea"/>
+                <a:cs typeface="+mj-cs"/>
+              </a:rPr>
+              <a:t>PHI: 12.0</a:t>
+            </a:r>
+          </a:p>
+        </p:txBody>
+      </p:sp>
+      <p:pic>
+        <p:nvPicPr>
+          <p:cNvPr id="12290" name="Picture 2" descr="A screen shot of a graph&#10;&#10;Description automatically generated">
+            <a:extLst>
+              <a:ext uri="{FF2B5EF4-FFF2-40B4-BE49-F238E27FC236}">
+                <a16:creationId xmlns:a16="http://schemas.microsoft.com/office/drawing/2014/main" id="{B138E58E-E3DB-A0E4-A1DA-919FA8E69200}"/>
+              </a:ext>
+            </a:extLst>
+          </p:cNvPr>
+          <p:cNvPicPr>
+            <a:picLocks noChangeAspect="1" noChangeArrowheads="1"/>
+          </p:cNvPicPr>
+          <p:nvPr/>
+        </p:nvPicPr>
+        <p:blipFill>
+          <a:blip r:embed="rId2">
+            <a:extLst>
+              <a:ext uri="{28A0092B-C50C-407E-A947-70E740481C1C}">
+                <a14:useLocalDpi xmlns:a14="http://schemas.microsoft.com/office/drawing/2010/main" val="0"/>
+              </a:ext>
+            </a:extLst>
+          </a:blip>
+          <a:stretch>
+            <a:fillRect/>
+          </a:stretch>
+        </p:blipFill>
+        <p:spPr bwMode="auto">
+          <a:xfrm>
+            <a:off x="194099" y="3200228"/>
+            <a:ext cx="3797536" cy="2686298"/>
+          </a:xfrm>
+          <a:prstGeom prst="rect">
+            <a:avLst/>
+          </a:prstGeom>
+          <a:noFill/>
+          <a:extLst>
+            <a:ext uri="{909E8E84-426E-40DD-AFC4-6F175D3DCCD1}">
+              <a14:hiddenFill xmlns:a14="http://schemas.microsoft.com/office/drawing/2010/main">
+                <a:solidFill>
+                  <a:srgbClr val="FFFFFF"/>
+                </a:solidFill>
+              </a14:hiddenFill>
+            </a:ext>
+          </a:extLst>
+        </p:spPr>
+      </p:pic>
+      <p:pic>
+        <p:nvPicPr>
+          <p:cNvPr id="12292" name="Picture 4" descr="A screen shot of a graph&#10;&#10;Description automatically generated">
+            <a:extLst>
+              <a:ext uri="{FF2B5EF4-FFF2-40B4-BE49-F238E27FC236}">
+                <a16:creationId xmlns:a16="http://schemas.microsoft.com/office/drawing/2014/main" id="{E8E81EA3-7972-F8A6-CB8A-6EBF513DA23A}"/>
+              </a:ext>
+            </a:extLst>
+          </p:cNvPr>
+          <p:cNvPicPr>
+            <a:picLocks noChangeAspect="1" noChangeArrowheads="1"/>
+          </p:cNvPicPr>
+          <p:nvPr/>
+        </p:nvPicPr>
+        <p:blipFill>
+          <a:blip r:embed="rId3">
+            <a:extLst>
+              <a:ext uri="{28A0092B-C50C-407E-A947-70E740481C1C}">
+                <a14:useLocalDpi xmlns:a14="http://schemas.microsoft.com/office/drawing/2010/main" val="0"/>
+              </a:ext>
+            </a:extLst>
+          </a:blip>
+          <a:stretch>
+            <a:fillRect/>
+          </a:stretch>
+        </p:blipFill>
+        <p:spPr bwMode="auto">
+          <a:xfrm>
+            <a:off x="4193386" y="3200228"/>
+            <a:ext cx="3797536" cy="2686298"/>
+          </a:xfrm>
+          <a:prstGeom prst="rect">
+            <a:avLst/>
+          </a:prstGeom>
+          <a:noFill/>
+          <a:extLst>
+            <a:ext uri="{909E8E84-426E-40DD-AFC4-6F175D3DCCD1}">
+              <a14:hiddenFill xmlns:a14="http://schemas.microsoft.com/office/drawing/2010/main">
+                <a:solidFill>
+                  <a:srgbClr val="FFFFFF"/>
+                </a:solidFill>
+              </a14:hiddenFill>
+            </a:ext>
+          </a:extLst>
+        </p:spPr>
+      </p:pic>
+      <p:pic>
+        <p:nvPicPr>
+          <p:cNvPr id="12294" name="Picture 6" descr="A screen shot of a graph&#10;&#10;Description automatically generated">
+            <a:extLst>
+              <a:ext uri="{FF2B5EF4-FFF2-40B4-BE49-F238E27FC236}">
+                <a16:creationId xmlns:a16="http://schemas.microsoft.com/office/drawing/2014/main" id="{F6AB3098-0A34-F136-B50D-6333FD56ED75}"/>
+              </a:ext>
+            </a:extLst>
+          </p:cNvPr>
+          <p:cNvPicPr>
+            <a:picLocks noChangeAspect="1" noChangeArrowheads="1"/>
+          </p:cNvPicPr>
+          <p:nvPr/>
+        </p:nvPicPr>
+        <p:blipFill>
+          <a:blip r:embed="rId4">
+            <a:extLst>
+              <a:ext uri="{28A0092B-C50C-407E-A947-70E740481C1C}">
+                <a14:useLocalDpi xmlns:a14="http://schemas.microsoft.com/office/drawing/2010/main" val="0"/>
+              </a:ext>
+            </a:extLst>
+          </a:blip>
+          <a:stretch>
+            <a:fillRect/>
+          </a:stretch>
+        </p:blipFill>
+        <p:spPr bwMode="auto">
+          <a:xfrm>
+            <a:off x="8192673" y="3200228"/>
+            <a:ext cx="3797536" cy="2686298"/>
+          </a:xfrm>
+          <a:prstGeom prst="rect">
+            <a:avLst/>
+          </a:prstGeom>
+          <a:noFill/>
+          <a:extLst>
+            <a:ext uri="{909E8E84-426E-40DD-AFC4-6F175D3DCCD1}">
+              <a14:hiddenFill xmlns:a14="http://schemas.microsoft.com/office/drawing/2010/main">
+                <a:solidFill>
+                  <a:srgbClr val="FFFFFF"/>
+                </a:solidFill>
+              </a14:hiddenFill>
+            </a:ext>
+          </a:extLst>
+        </p:spPr>
+      </p:pic>
+      <p:sp>
+        <p:nvSpPr>
+          <p:cNvPr id="5" name="TextBox 4">
+            <a:extLst>
+              <a:ext uri="{FF2B5EF4-FFF2-40B4-BE49-F238E27FC236}">
+                <a16:creationId xmlns:a16="http://schemas.microsoft.com/office/drawing/2014/main" id="{3BA667A1-43D7-C8F7-92B0-0A76D9DDD933}"/>
+              </a:ext>
+            </a:extLst>
+          </p:cNvPr>
+          <p:cNvSpPr txBox="1"/>
+          <p:nvPr/>
+        </p:nvSpPr>
+        <p:spPr>
+          <a:xfrm>
+            <a:off x="305790" y="2152567"/>
+            <a:ext cx="6097978" cy="923330"/>
+          </a:xfrm>
+          <a:prstGeom prst="rect">
+            <a:avLst/>
+          </a:prstGeom>
+          <a:noFill/>
+        </p:spPr>
+        <p:txBody>
+          <a:bodyPr wrap="square">
+            <a:spAutoFit/>
+          </a:bodyPr>
+          <a:lstStyle/>
+          <a:p>
+            <a:r>
+              <a:rPr lang="en-US" dirty="0"/>
+              <a:t>Pearson rank correlation coefficient: 0.169 </a:t>
+            </a:r>
+          </a:p>
+          <a:p>
+            <a:r>
+              <a:rPr lang="en-US" dirty="0"/>
+              <a:t>Spearman rank correlation coefficient: 0.306 </a:t>
+            </a:r>
+          </a:p>
+          <a:p>
+            <a:r>
+              <a:rPr lang="en-US" dirty="0"/>
+              <a:t>Coefficient of Determination (R^2): 0.028</a:t>
+            </a:r>
+          </a:p>
+        </p:txBody>
+      </p:sp>
+    </p:spTree>
+    <p:extLst>
+      <p:ext uri="{BB962C8B-B14F-4D97-AF65-F5344CB8AC3E}">
+        <p14:creationId xmlns:p14="http://schemas.microsoft.com/office/powerpoint/2010/main" val="2280066876"/>
+      </p:ext>
+    </p:extLst>
+  </p:cSld>
+  <p:clrMapOvr>
+    <a:masterClrMapping/>
+  </p:clrMapOvr>
+</p:sld>
+</file>
+
+<file path=ppt/slides/slide11.xml><?xml version="1.0" encoding="utf-8"?>
+<p:sld xmlns:a="http://schemas.openxmlformats.org/drawingml/2006/main" xmlns:r="http://schemas.openxmlformats.org/officeDocument/2006/relationships" xmlns:p="http://schemas.openxmlformats.org/presentationml/2006/main">
+  <p:cSld>
+    <p:bg>
+      <p:bgPr>
+        <a:solidFill>
+          <a:schemeClr val="bg1"/>
+        </a:solidFill>
+        <a:effectLst/>
+      </p:bgPr>
+    </p:bg>
+    <p:spTree>
+      <p:nvGrpSpPr>
+        <p:cNvPr id="1" name=""/>
+        <p:cNvGrpSpPr/>
+        <p:nvPr/>
+      </p:nvGrpSpPr>
+      <p:grpSpPr>
+        <a:xfrm>
+          <a:off x="0" y="0"/>
+          <a:ext cx="0" cy="0"/>
+          <a:chOff x="0" y="0"/>
+          <a:chExt cx="0" cy="0"/>
+        </a:xfrm>
+      </p:grpSpPr>
+      <p:sp useBgFill="1">
+        <p:nvSpPr>
+          <p:cNvPr id="4113" name="Rectangle 4112">
+            <a:extLst>
+              <a:ext uri="{FF2B5EF4-FFF2-40B4-BE49-F238E27FC236}">
+                <a16:creationId xmlns:a16="http://schemas.microsoft.com/office/drawing/2014/main" id="{70155189-D96C-4527-B0EC-654B946BE615}"/>
+              </a:ext>
+              <a:ext uri="{C183D7F6-B498-43B3-948B-1728B52AA6E4}">
+                <adec:decorative xmlns:adec="http://schemas.microsoft.com/office/drawing/2017/decorative" val="1"/>
+              </a:ext>
+            </a:extLst>
+          </p:cNvPr>
+          <p:cNvSpPr>
+            <a:spLocks noGrp="1" noRot="1" noChangeAspect="1" noMove="1" noResize="1" noEditPoints="1" noAdjustHandles="1" noChangeArrowheads="1" noChangeShapeType="1" noTextEdit="1"/>
+          </p:cNvSpPr>
+          <p:nvPr>
+            <p:extLst>
+              <p:ext uri="{386F3935-93C4-4BCD-93E2-E3B085C9AB24}">
+                <p16:designElem xmlns:p16="http://schemas.microsoft.com/office/powerpoint/2015/main" val="1"/>
+              </p:ext>
+            </p:extLst>
+          </p:nvPr>
+        </p:nvSpPr>
+        <p:spPr>
+          <a:xfrm>
+            <a:off x="-1" y="0"/>
+            <a:ext cx="12188952" cy="6858000"/>
+          </a:xfrm>
+          <a:prstGeom prst="rect">
+            <a:avLst/>
+          </a:prstGeom>
+          <a:ln>
+            <a:noFill/>
+          </a:ln>
+        </p:spPr>
+        <p:style>
+          <a:lnRef idx="2">
+            <a:schemeClr val="accent1">
+              <a:shade val="50000"/>
+            </a:schemeClr>
+          </a:lnRef>
+          <a:fillRef idx="1">
+            <a:schemeClr val="accent1"/>
+          </a:fillRef>
+          <a:effectRef idx="0">
+            <a:schemeClr val="accent1"/>
+          </a:effectRef>
+          <a:fontRef idx="minor">
+            <a:schemeClr val="lt1"/>
+          </a:fontRef>
+        </p:style>
+        <p:txBody>
+          <a:bodyPr rtlCol="0" anchor="ctr"/>
+          <a:lstStyle/>
+          <a:p>
+            <a:pPr algn="ctr"/>
+            <a:endParaRPr lang="en-US"/>
+          </a:p>
+        </p:txBody>
+      </p:sp>
+      <p:sp>
+        <p:nvSpPr>
+          <p:cNvPr id="2" name="Title 1">
+            <a:extLst>
+              <a:ext uri="{FF2B5EF4-FFF2-40B4-BE49-F238E27FC236}">
+                <a16:creationId xmlns:a16="http://schemas.microsoft.com/office/drawing/2014/main" id="{8CD15771-7CDA-2947-C158-8A17FE582FCE}"/>
+              </a:ext>
+            </a:extLst>
+          </p:cNvPr>
+          <p:cNvSpPr>
+            <a:spLocks noGrp="1"/>
+          </p:cNvSpPr>
+          <p:nvPr>
+            <p:ph type="title"/>
+          </p:nvPr>
+        </p:nvSpPr>
+        <p:spPr>
+          <a:xfrm>
+            <a:off x="1198181" y="557189"/>
+            <a:ext cx="9795637" cy="1104857"/>
+          </a:xfrm>
+        </p:spPr>
+        <p:txBody>
+          <a:bodyPr vert="horz" lIns="91440" tIns="45720" rIns="91440" bIns="45720" rtlCol="0" anchor="b">
+            <a:normAutofit/>
+          </a:bodyPr>
+          <a:lstStyle/>
+          <a:p>
+            <a:r>
+              <a:rPr lang="en-US" sz="5200"/>
+              <a:t>PHI: 12.5</a:t>
+            </a:r>
+          </a:p>
+        </p:txBody>
+      </p:sp>
+      <p:pic>
+        <p:nvPicPr>
+          <p:cNvPr id="4106" name="Picture 10" descr="A screen shot of a graph&#10;&#10;Description automatically generated">
+            <a:extLst>
+              <a:ext uri="{FF2B5EF4-FFF2-40B4-BE49-F238E27FC236}">
+                <a16:creationId xmlns:a16="http://schemas.microsoft.com/office/drawing/2014/main" id="{BEFDA0E3-F137-2F05-3A91-A3DF86BE70FF}"/>
+              </a:ext>
+            </a:extLst>
+          </p:cNvPr>
+          <p:cNvPicPr>
+            <a:picLocks noChangeAspect="1" noChangeArrowheads="1"/>
+          </p:cNvPicPr>
+          <p:nvPr/>
+        </p:nvPicPr>
+        <p:blipFill>
+          <a:blip r:embed="rId2">
+            <a:extLst>
+              <a:ext uri="{28A0092B-C50C-407E-A947-70E740481C1C}">
+                <a14:useLocalDpi xmlns:a14="http://schemas.microsoft.com/office/drawing/2010/main" val="0"/>
+              </a:ext>
+            </a:extLst>
+          </a:blip>
+          <a:stretch>
+            <a:fillRect/>
+          </a:stretch>
+        </p:blipFill>
+        <p:spPr bwMode="auto">
+          <a:xfrm>
+            <a:off x="4152852" y="3200228"/>
+            <a:ext cx="3797536" cy="2686298"/>
+          </a:xfrm>
+          <a:prstGeom prst="rect">
+            <a:avLst/>
+          </a:prstGeom>
+          <a:noFill/>
+          <a:extLst>
+            <a:ext uri="{909E8E84-426E-40DD-AFC4-6F175D3DCCD1}">
+              <a14:hiddenFill xmlns:a14="http://schemas.microsoft.com/office/drawing/2010/main">
+                <a:solidFill>
+                  <a:srgbClr val="FFFFFF"/>
+                </a:solidFill>
+              </a14:hiddenFill>
+            </a:ext>
+          </a:extLst>
+        </p:spPr>
+      </p:pic>
+      <p:pic>
+        <p:nvPicPr>
+          <p:cNvPr id="4104" name="Picture 8" descr="A graph with black dots and red line&#10;&#10;Description automatically generated">
+            <a:extLst>
+              <a:ext uri="{FF2B5EF4-FFF2-40B4-BE49-F238E27FC236}">
+                <a16:creationId xmlns:a16="http://schemas.microsoft.com/office/drawing/2014/main" id="{DEAAA09C-398C-2F9E-85C2-813F283EFDF9}"/>
+              </a:ext>
+            </a:extLst>
+          </p:cNvPr>
+          <p:cNvPicPr>
+            <a:picLocks noChangeAspect="1" noChangeArrowheads="1"/>
+          </p:cNvPicPr>
+          <p:nvPr/>
+        </p:nvPicPr>
+        <p:blipFill>
+          <a:blip r:embed="rId3">
+            <a:extLst>
+              <a:ext uri="{28A0092B-C50C-407E-A947-70E740481C1C}">
+                <a14:useLocalDpi xmlns:a14="http://schemas.microsoft.com/office/drawing/2010/main" val="0"/>
+              </a:ext>
+            </a:extLst>
+          </a:blip>
+          <a:stretch>
+            <a:fillRect/>
+          </a:stretch>
+        </p:blipFill>
+        <p:spPr bwMode="auto">
+          <a:xfrm>
+            <a:off x="234174" y="3200228"/>
+            <a:ext cx="3797536" cy="2686298"/>
+          </a:xfrm>
+          <a:prstGeom prst="rect">
+            <a:avLst/>
+          </a:prstGeom>
+          <a:noFill/>
+          <a:extLst>
+            <a:ext uri="{909E8E84-426E-40DD-AFC4-6F175D3DCCD1}">
+              <a14:hiddenFill xmlns:a14="http://schemas.microsoft.com/office/drawing/2010/main">
+                <a:solidFill>
+                  <a:srgbClr val="FFFFFF"/>
+                </a:solidFill>
+              </a14:hiddenFill>
+            </a:ext>
+          </a:extLst>
+        </p:spPr>
+      </p:pic>
+      <p:pic>
+        <p:nvPicPr>
+          <p:cNvPr id="4108" name="Picture 12" descr="A screen shot of a graph&#10;&#10;Description automatically generated">
+            <a:extLst>
+              <a:ext uri="{FF2B5EF4-FFF2-40B4-BE49-F238E27FC236}">
+                <a16:creationId xmlns:a16="http://schemas.microsoft.com/office/drawing/2014/main" id="{1DD50F75-8B9C-8AC5-A0A9-85296E9FB6C3}"/>
+              </a:ext>
+            </a:extLst>
+          </p:cNvPr>
+          <p:cNvPicPr>
+            <a:picLocks noChangeAspect="1" noChangeArrowheads="1"/>
+          </p:cNvPicPr>
+          <p:nvPr/>
+        </p:nvPicPr>
+        <p:blipFill>
+          <a:blip r:embed="rId4">
+            <a:extLst>
+              <a:ext uri="{28A0092B-C50C-407E-A947-70E740481C1C}">
+                <a14:useLocalDpi xmlns:a14="http://schemas.microsoft.com/office/drawing/2010/main" val="0"/>
+              </a:ext>
+            </a:extLst>
+          </a:blip>
+          <a:stretch>
+            <a:fillRect/>
+          </a:stretch>
+        </p:blipFill>
+        <p:spPr bwMode="auto">
+          <a:xfrm>
+            <a:off x="8192673" y="3200228"/>
+            <a:ext cx="3797536" cy="2686298"/>
+          </a:xfrm>
+          <a:prstGeom prst="rect">
+            <a:avLst/>
+          </a:prstGeom>
+          <a:noFill/>
+          <a:extLst>
+            <a:ext uri="{909E8E84-426E-40DD-AFC4-6F175D3DCCD1}">
+              <a14:hiddenFill xmlns:a14="http://schemas.microsoft.com/office/drawing/2010/main">
+                <a:solidFill>
+                  <a:srgbClr val="FFFFFF"/>
+                </a:solidFill>
+              </a14:hiddenFill>
+            </a:ext>
+          </a:extLst>
+        </p:spPr>
+      </p:pic>
+      <p:sp>
+        <p:nvSpPr>
+          <p:cNvPr id="7" name="TextBox 6">
+            <a:extLst>
+              <a:ext uri="{FF2B5EF4-FFF2-40B4-BE49-F238E27FC236}">
+                <a16:creationId xmlns:a16="http://schemas.microsoft.com/office/drawing/2014/main" id="{FEFA3657-CADA-1114-D37C-F3BC6D8D8E60}"/>
+              </a:ext>
+            </a:extLst>
+          </p:cNvPr>
+          <p:cNvSpPr txBox="1"/>
+          <p:nvPr/>
+        </p:nvSpPr>
+        <p:spPr>
+          <a:xfrm>
+            <a:off x="446314" y="1969472"/>
+            <a:ext cx="6096000" cy="923330"/>
+          </a:xfrm>
+          <a:prstGeom prst="rect">
+            <a:avLst/>
+          </a:prstGeom>
+          <a:noFill/>
+        </p:spPr>
+        <p:txBody>
+          <a:bodyPr wrap="square">
+            <a:spAutoFit/>
+          </a:bodyPr>
+          <a:lstStyle/>
+          <a:p>
+            <a:r>
+              <a:rPr lang="en-US" dirty="0"/>
+              <a:t>Pearson rank correlation coefficient: 0.168 </a:t>
+            </a:r>
+          </a:p>
+          <a:p>
+            <a:r>
+              <a:rPr lang="en-US" dirty="0"/>
+              <a:t>Spearman rank correlation coefficient: 0.289 </a:t>
+            </a:r>
+          </a:p>
+          <a:p>
+            <a:r>
+              <a:rPr lang="en-US" dirty="0"/>
+              <a:t>Coefficient of Determination (R^2): 0.028</a:t>
+            </a:r>
+          </a:p>
+        </p:txBody>
+      </p:sp>
+    </p:spTree>
+    <p:extLst>
+      <p:ext uri="{BB962C8B-B14F-4D97-AF65-F5344CB8AC3E}">
+        <p14:creationId xmlns:p14="http://schemas.microsoft.com/office/powerpoint/2010/main" val="3989657120"/>
+      </p:ext>
+    </p:extLst>
+  </p:cSld>
+  <p:clrMapOvr>
+    <a:masterClrMapping/>
+  </p:clrMapOvr>
+</p:sld>
+</file>
+
+<file path=ppt/slides/slide12.xml><?xml version="1.0" encoding="utf-8"?>
+<p:sld xmlns:a="http://schemas.openxmlformats.org/drawingml/2006/main" xmlns:r="http://schemas.openxmlformats.org/officeDocument/2006/relationships" xmlns:p="http://schemas.openxmlformats.org/presentationml/2006/main">
+  <p:cSld>
+    <p:bg>
+      <p:bgPr>
+        <a:solidFill>
+          <a:schemeClr val="bg1"/>
+        </a:solidFill>
+        <a:effectLst/>
+      </p:bgPr>
+    </p:bg>
+    <p:spTree>
+      <p:nvGrpSpPr>
+        <p:cNvPr id="1" name=""/>
+        <p:cNvGrpSpPr/>
+        <p:nvPr/>
+      </p:nvGrpSpPr>
+      <p:grpSpPr>
+        <a:xfrm>
+          <a:off x="0" y="0"/>
+          <a:ext cx="0" cy="0"/>
+          <a:chOff x="0" y="0"/>
+          <a:chExt cx="0" cy="0"/>
+        </a:xfrm>
+      </p:grpSpPr>
+      <p:sp useBgFill="1">
+        <p:nvSpPr>
+          <p:cNvPr id="5137" name="Rectangle 5136">
+            <a:extLst>
+              <a:ext uri="{FF2B5EF4-FFF2-40B4-BE49-F238E27FC236}">
+                <a16:creationId xmlns:a16="http://schemas.microsoft.com/office/drawing/2014/main" id="{70155189-D96C-4527-B0EC-654B946BE615}"/>
+              </a:ext>
+              <a:ext uri="{C183D7F6-B498-43B3-948B-1728B52AA6E4}">
+                <adec:decorative xmlns:adec="http://schemas.microsoft.com/office/drawing/2017/decorative" val="1"/>
+              </a:ext>
+            </a:extLst>
+          </p:cNvPr>
+          <p:cNvSpPr>
+            <a:spLocks noGrp="1" noRot="1" noChangeAspect="1" noMove="1" noResize="1" noEditPoints="1" noAdjustHandles="1" noChangeArrowheads="1" noChangeShapeType="1" noTextEdit="1"/>
+          </p:cNvSpPr>
+          <p:nvPr>
+            <p:extLst>
+              <p:ext uri="{386F3935-93C4-4BCD-93E2-E3B085C9AB24}">
+                <p16:designElem xmlns:p16="http://schemas.microsoft.com/office/powerpoint/2015/main" val="1"/>
+              </p:ext>
+            </p:extLst>
+          </p:nvPr>
+        </p:nvSpPr>
+        <p:spPr>
+          <a:xfrm>
+            <a:off x="-1" y="0"/>
+            <a:ext cx="12188952" cy="6858000"/>
+          </a:xfrm>
+          <a:prstGeom prst="rect">
+            <a:avLst/>
+          </a:prstGeom>
+          <a:ln>
+            <a:noFill/>
+          </a:ln>
+        </p:spPr>
+        <p:style>
+          <a:lnRef idx="2">
+            <a:schemeClr val="accent1">
+              <a:shade val="50000"/>
+            </a:schemeClr>
+          </a:lnRef>
+          <a:fillRef idx="1">
+            <a:schemeClr val="accent1"/>
+          </a:fillRef>
+          <a:effectRef idx="0">
+            <a:schemeClr val="accent1"/>
+          </a:effectRef>
+          <a:fontRef idx="minor">
+            <a:schemeClr val="lt1"/>
+          </a:fontRef>
+        </p:style>
+        <p:txBody>
+          <a:bodyPr rtlCol="0" anchor="ctr"/>
+          <a:lstStyle/>
+          <a:p>
+            <a:pPr algn="ctr"/>
+            <a:endParaRPr lang="en-US"/>
+          </a:p>
+        </p:txBody>
+      </p:sp>
+      <p:sp>
+        <p:nvSpPr>
+          <p:cNvPr id="2" name="Title 1">
+            <a:extLst>
+              <a:ext uri="{FF2B5EF4-FFF2-40B4-BE49-F238E27FC236}">
+                <a16:creationId xmlns:a16="http://schemas.microsoft.com/office/drawing/2014/main" id="{598AA84D-3976-72BD-62E7-0662C20A2470}"/>
+              </a:ext>
+            </a:extLst>
+          </p:cNvPr>
+          <p:cNvSpPr>
+            <a:spLocks noGrp="1"/>
+          </p:cNvSpPr>
+          <p:nvPr>
+            <p:ph type="title"/>
+          </p:nvPr>
+        </p:nvSpPr>
+        <p:spPr>
+          <a:xfrm>
+            <a:off x="1198181" y="557189"/>
+            <a:ext cx="9795637" cy="1104857"/>
+          </a:xfrm>
+        </p:spPr>
+        <p:txBody>
+          <a:bodyPr vert="horz" lIns="91440" tIns="45720" rIns="91440" bIns="45720" rtlCol="0" anchor="b">
+            <a:normAutofit/>
+          </a:bodyPr>
+          <a:lstStyle/>
+          <a:p>
+            <a:r>
+              <a:rPr lang="en-US" sz="5200" dirty="0"/>
+              <a:t>PHI: 14.0</a:t>
+            </a:r>
+          </a:p>
+        </p:txBody>
+      </p:sp>
+      <p:pic>
+        <p:nvPicPr>
+          <p:cNvPr id="5130" name="Picture 10" descr="A graph with blue dots and red lines&#10;&#10;Description automatically generated">
+            <a:extLst>
+              <a:ext uri="{FF2B5EF4-FFF2-40B4-BE49-F238E27FC236}">
+                <a16:creationId xmlns:a16="http://schemas.microsoft.com/office/drawing/2014/main" id="{AB1E1615-040D-43EC-E879-E455DBA59F38}"/>
+              </a:ext>
+            </a:extLst>
+          </p:cNvPr>
+          <p:cNvPicPr>
+            <a:picLocks noChangeAspect="1" noChangeArrowheads="1"/>
+          </p:cNvPicPr>
+          <p:nvPr/>
+        </p:nvPicPr>
+        <p:blipFill>
+          <a:blip r:embed="rId2">
+            <a:extLst>
+              <a:ext uri="{28A0092B-C50C-407E-A947-70E740481C1C}">
+                <a14:useLocalDpi xmlns:a14="http://schemas.microsoft.com/office/drawing/2010/main" val="0"/>
+              </a:ext>
+            </a:extLst>
+          </a:blip>
+          <a:stretch>
+            <a:fillRect/>
+          </a:stretch>
+        </p:blipFill>
+        <p:spPr bwMode="auto">
+          <a:xfrm>
+            <a:off x="4193386" y="3200228"/>
+            <a:ext cx="3797536" cy="2686298"/>
+          </a:xfrm>
+          <a:prstGeom prst="rect">
+            <a:avLst/>
+          </a:prstGeom>
+          <a:noFill/>
+          <a:extLst>
+            <a:ext uri="{909E8E84-426E-40DD-AFC4-6F175D3DCCD1}">
+              <a14:hiddenFill xmlns:a14="http://schemas.microsoft.com/office/drawing/2010/main">
+                <a:solidFill>
+                  <a:srgbClr val="FFFFFF"/>
+                </a:solidFill>
+              </a14:hiddenFill>
+            </a:ext>
+          </a:extLst>
+        </p:spPr>
+      </p:pic>
+      <p:pic>
+        <p:nvPicPr>
+          <p:cNvPr id="5128" name="Picture 8" descr="A graph of black dots&#10;&#10;Description automatically generated">
+            <a:extLst>
+              <a:ext uri="{FF2B5EF4-FFF2-40B4-BE49-F238E27FC236}">
+                <a16:creationId xmlns:a16="http://schemas.microsoft.com/office/drawing/2014/main" id="{03BDFC13-6E16-D4AE-3A55-7E990595874E}"/>
+              </a:ext>
+            </a:extLst>
+          </p:cNvPr>
+          <p:cNvPicPr>
+            <a:picLocks noChangeAspect="1" noChangeArrowheads="1"/>
+          </p:cNvPicPr>
+          <p:nvPr/>
+        </p:nvPicPr>
+        <p:blipFill>
+          <a:blip r:embed="rId3">
+            <a:extLst>
+              <a:ext uri="{28A0092B-C50C-407E-A947-70E740481C1C}">
+                <a14:useLocalDpi xmlns:a14="http://schemas.microsoft.com/office/drawing/2010/main" val="0"/>
+              </a:ext>
+            </a:extLst>
+          </a:blip>
+          <a:stretch>
+            <a:fillRect/>
+          </a:stretch>
+        </p:blipFill>
+        <p:spPr bwMode="auto">
+          <a:xfrm>
+            <a:off x="197925" y="3200228"/>
+            <a:ext cx="3797536" cy="2686298"/>
+          </a:xfrm>
+          <a:prstGeom prst="rect">
+            <a:avLst/>
+          </a:prstGeom>
+          <a:noFill/>
+          <a:extLst>
+            <a:ext uri="{909E8E84-426E-40DD-AFC4-6F175D3DCCD1}">
+              <a14:hiddenFill xmlns:a14="http://schemas.microsoft.com/office/drawing/2010/main">
+                <a:solidFill>
+                  <a:srgbClr val="FFFFFF"/>
+                </a:solidFill>
+              </a14:hiddenFill>
+            </a:ext>
+          </a:extLst>
+        </p:spPr>
+      </p:pic>
+      <p:pic>
+        <p:nvPicPr>
+          <p:cNvPr id="5132" name="Picture 12" descr="A screen shot of a graph&#10;&#10;Description automatically generated">
+            <a:extLst>
+              <a:ext uri="{FF2B5EF4-FFF2-40B4-BE49-F238E27FC236}">
+                <a16:creationId xmlns:a16="http://schemas.microsoft.com/office/drawing/2014/main" id="{328B02B4-B5F4-D481-1408-774564B1C0C6}"/>
+              </a:ext>
+            </a:extLst>
+          </p:cNvPr>
+          <p:cNvPicPr>
+            <a:picLocks noChangeAspect="1" noChangeArrowheads="1"/>
+          </p:cNvPicPr>
+          <p:nvPr/>
+        </p:nvPicPr>
+        <p:blipFill>
+          <a:blip r:embed="rId4">
+            <a:extLst>
+              <a:ext uri="{28A0092B-C50C-407E-A947-70E740481C1C}">
+                <a14:useLocalDpi xmlns:a14="http://schemas.microsoft.com/office/drawing/2010/main" val="0"/>
+              </a:ext>
+            </a:extLst>
+          </a:blip>
+          <a:stretch>
+            <a:fillRect/>
+          </a:stretch>
+        </p:blipFill>
+        <p:spPr bwMode="auto">
+          <a:xfrm>
+            <a:off x="8192673" y="3200228"/>
+            <a:ext cx="3797536" cy="2686298"/>
+          </a:xfrm>
+          <a:prstGeom prst="rect">
+            <a:avLst/>
+          </a:prstGeom>
+          <a:noFill/>
+          <a:extLst>
+            <a:ext uri="{909E8E84-426E-40DD-AFC4-6F175D3DCCD1}">
+              <a14:hiddenFill xmlns:a14="http://schemas.microsoft.com/office/drawing/2010/main">
+                <a:solidFill>
+                  <a:srgbClr val="FFFFFF"/>
+                </a:solidFill>
+              </a14:hiddenFill>
+            </a:ext>
+          </a:extLst>
+        </p:spPr>
+      </p:pic>
+      <p:sp>
+        <p:nvSpPr>
+          <p:cNvPr id="7" name="TextBox 6">
+            <a:extLst>
+              <a:ext uri="{FF2B5EF4-FFF2-40B4-BE49-F238E27FC236}">
+                <a16:creationId xmlns:a16="http://schemas.microsoft.com/office/drawing/2014/main" id="{41344B9A-6DA9-BEAD-3676-0CF501AE0652}"/>
+              </a:ext>
+            </a:extLst>
+          </p:cNvPr>
+          <p:cNvSpPr txBox="1"/>
+          <p:nvPr/>
+        </p:nvSpPr>
+        <p:spPr>
+          <a:xfrm>
+            <a:off x="576943" y="1969472"/>
+            <a:ext cx="6096000" cy="923330"/>
+          </a:xfrm>
+          <a:prstGeom prst="rect">
+            <a:avLst/>
+          </a:prstGeom>
+          <a:noFill/>
+        </p:spPr>
+        <p:txBody>
+          <a:bodyPr wrap="square">
+            <a:spAutoFit/>
+          </a:bodyPr>
+          <a:lstStyle/>
+          <a:p>
+            <a:r>
+              <a:rPr lang="en-US" dirty="0"/>
+              <a:t>Pearson rank correlation coefficient: 0.148 </a:t>
+            </a:r>
+          </a:p>
+          <a:p>
+            <a:r>
+              <a:rPr lang="en-US" dirty="0"/>
+              <a:t>Spearman rank correlation coefficient: 0.318 </a:t>
+            </a:r>
+          </a:p>
+          <a:p>
+            <a:r>
+              <a:rPr lang="en-US" dirty="0"/>
+              <a:t>Coefficient of Determination (R^2): 0.022</a:t>
+            </a:r>
+          </a:p>
+        </p:txBody>
+      </p:sp>
+    </p:spTree>
+    <p:extLst>
+      <p:ext uri="{BB962C8B-B14F-4D97-AF65-F5344CB8AC3E}">
+        <p14:creationId xmlns:p14="http://schemas.microsoft.com/office/powerpoint/2010/main" val="2763029526"/>
+      </p:ext>
+    </p:extLst>
+  </p:cSld>
+  <p:clrMapOvr>
+    <a:masterClrMapping/>
+  </p:clrMapOvr>
+</p:sld>
+</file>
+
+<file path=ppt/slides/slide13.xml><?xml version="1.0" encoding="utf-8"?>
+<p:sld xmlns:a="http://schemas.openxmlformats.org/drawingml/2006/main" xmlns:r="http://schemas.openxmlformats.org/officeDocument/2006/relationships" xmlns:p="http://schemas.openxmlformats.org/presentationml/2006/main">
+  <p:cSld>
+    <p:bg>
+      <p:bgPr>
+        <a:solidFill>
+          <a:schemeClr val="bg1"/>
+        </a:solidFill>
+        <a:effectLst/>
+      </p:bgPr>
+    </p:bg>
+    <p:spTree>
+      <p:nvGrpSpPr>
+        <p:cNvPr id="1" name=""/>
+        <p:cNvGrpSpPr/>
+        <p:nvPr/>
+      </p:nvGrpSpPr>
+      <p:grpSpPr>
+        <a:xfrm>
+          <a:off x="0" y="0"/>
+          <a:ext cx="0" cy="0"/>
+          <a:chOff x="0" y="0"/>
+          <a:chExt cx="0" cy="0"/>
+        </a:xfrm>
+      </p:grpSpPr>
+      <p:sp useBgFill="1">
+        <p:nvSpPr>
+          <p:cNvPr id="6161" name="Rectangle 6160">
+            <a:extLst>
+              <a:ext uri="{FF2B5EF4-FFF2-40B4-BE49-F238E27FC236}">
+                <a16:creationId xmlns:a16="http://schemas.microsoft.com/office/drawing/2014/main" id="{70155189-D96C-4527-B0EC-654B946BE615}"/>
+              </a:ext>
+              <a:ext uri="{C183D7F6-B498-43B3-948B-1728B52AA6E4}">
+                <adec:decorative xmlns:adec="http://schemas.microsoft.com/office/drawing/2017/decorative" val="1"/>
+              </a:ext>
+            </a:extLst>
+          </p:cNvPr>
+          <p:cNvSpPr>
+            <a:spLocks noGrp="1" noRot="1" noChangeAspect="1" noMove="1" noResize="1" noEditPoints="1" noAdjustHandles="1" noChangeArrowheads="1" noChangeShapeType="1" noTextEdit="1"/>
+          </p:cNvSpPr>
+          <p:nvPr>
+            <p:extLst>
+              <p:ext uri="{386F3935-93C4-4BCD-93E2-E3B085C9AB24}">
+                <p16:designElem xmlns:p16="http://schemas.microsoft.com/office/powerpoint/2015/main" val="1"/>
+              </p:ext>
+            </p:extLst>
+          </p:nvPr>
+        </p:nvSpPr>
+        <p:spPr>
+          <a:xfrm>
+            <a:off x="-1" y="0"/>
+            <a:ext cx="12188952" cy="6858000"/>
+          </a:xfrm>
+          <a:prstGeom prst="rect">
+            <a:avLst/>
+          </a:prstGeom>
+          <a:ln>
+            <a:noFill/>
+          </a:ln>
+        </p:spPr>
+        <p:style>
+          <a:lnRef idx="2">
+            <a:schemeClr val="accent1">
+              <a:shade val="50000"/>
+            </a:schemeClr>
+          </a:lnRef>
+          <a:fillRef idx="1">
+            <a:schemeClr val="accent1"/>
+          </a:fillRef>
+          <a:effectRef idx="0">
+            <a:schemeClr val="accent1"/>
+          </a:effectRef>
+          <a:fontRef idx="minor">
+            <a:schemeClr val="lt1"/>
+          </a:fontRef>
+        </p:style>
+        <p:txBody>
+          <a:bodyPr rtlCol="0" anchor="ctr"/>
+          <a:lstStyle/>
+          <a:p>
+            <a:pPr algn="ctr"/>
+            <a:endParaRPr lang="en-US"/>
+          </a:p>
+        </p:txBody>
+      </p:sp>
+      <p:sp>
+        <p:nvSpPr>
+          <p:cNvPr id="2" name="Title 1">
+            <a:extLst>
+              <a:ext uri="{FF2B5EF4-FFF2-40B4-BE49-F238E27FC236}">
+                <a16:creationId xmlns:a16="http://schemas.microsoft.com/office/drawing/2014/main" id="{5DD184F7-5C50-278D-E5FB-0EDB1415BA17}"/>
+              </a:ext>
+            </a:extLst>
+          </p:cNvPr>
+          <p:cNvSpPr>
+            <a:spLocks noGrp="1"/>
+          </p:cNvSpPr>
+          <p:nvPr>
+            <p:ph type="title"/>
+          </p:nvPr>
+        </p:nvSpPr>
+        <p:spPr>
+          <a:xfrm>
+            <a:off x="838200" y="557189"/>
+            <a:ext cx="10515600" cy="2057043"/>
+          </a:xfrm>
+        </p:spPr>
+        <p:txBody>
+          <a:bodyPr vert="horz" lIns="91440" tIns="45720" rIns="91440" bIns="45720" rtlCol="0" anchor="ctr">
+            <a:normAutofit/>
+          </a:bodyPr>
+          <a:lstStyle/>
+          <a:p>
+            <a:r>
+              <a:rPr lang="en-US" sz="5200" kern="1200" dirty="0">
+                <a:solidFill>
+                  <a:schemeClr val="tx1"/>
+                </a:solidFill>
+                <a:latin typeface="+mj-lt"/>
+                <a:ea typeface="+mj-ea"/>
+                <a:cs typeface="+mj-cs"/>
+              </a:rPr>
+              <a:t>PHI: 15.5</a:t>
+            </a:r>
+          </a:p>
+        </p:txBody>
+      </p:sp>
+      <p:pic>
+        <p:nvPicPr>
+          <p:cNvPr id="6154" name="Picture 10">
+            <a:extLst>
+              <a:ext uri="{FF2B5EF4-FFF2-40B4-BE49-F238E27FC236}">
+                <a16:creationId xmlns:a16="http://schemas.microsoft.com/office/drawing/2014/main" id="{4C213E99-1A8F-BDE3-220E-4FEF3DE54EBF}"/>
+              </a:ext>
+            </a:extLst>
+          </p:cNvPr>
+          <p:cNvPicPr>
+            <a:picLocks noChangeAspect="1" noChangeArrowheads="1"/>
+          </p:cNvPicPr>
+          <p:nvPr/>
+        </p:nvPicPr>
+        <p:blipFill>
+          <a:blip r:embed="rId2">
+            <a:extLst>
+              <a:ext uri="{28A0092B-C50C-407E-A947-70E740481C1C}">
+                <a14:useLocalDpi xmlns:a14="http://schemas.microsoft.com/office/drawing/2010/main" val="0"/>
+              </a:ext>
+            </a:extLst>
+          </a:blip>
+          <a:stretch>
+            <a:fillRect/>
+          </a:stretch>
+        </p:blipFill>
+        <p:spPr bwMode="auto">
+          <a:xfrm>
+            <a:off x="4196395" y="3200228"/>
+            <a:ext cx="3797536" cy="2686298"/>
+          </a:xfrm>
+          <a:prstGeom prst="rect">
+            <a:avLst/>
+          </a:prstGeom>
+          <a:noFill/>
+          <a:extLst>
+            <a:ext uri="{909E8E84-426E-40DD-AFC4-6F175D3DCCD1}">
+              <a14:hiddenFill xmlns:a14="http://schemas.microsoft.com/office/drawing/2010/main">
+                <a:solidFill>
+                  <a:srgbClr val="FFFFFF"/>
+                </a:solidFill>
+              </a14:hiddenFill>
+            </a:ext>
+          </a:extLst>
+        </p:spPr>
+      </p:pic>
+      <p:pic>
+        <p:nvPicPr>
+          <p:cNvPr id="6152" name="Picture 8">
+            <a:extLst>
+              <a:ext uri="{FF2B5EF4-FFF2-40B4-BE49-F238E27FC236}">
+                <a16:creationId xmlns:a16="http://schemas.microsoft.com/office/drawing/2014/main" id="{3F899E3C-819F-8110-32F4-591F30EFB05F}"/>
+              </a:ext>
+            </a:extLst>
+          </p:cNvPr>
+          <p:cNvPicPr>
+            <a:picLocks noChangeAspect="1" noChangeArrowheads="1"/>
+          </p:cNvPicPr>
+          <p:nvPr/>
+        </p:nvPicPr>
+        <p:blipFill>
+          <a:blip r:embed="rId3">
+            <a:extLst>
+              <a:ext uri="{28A0092B-C50C-407E-A947-70E740481C1C}">
+                <a14:useLocalDpi xmlns:a14="http://schemas.microsoft.com/office/drawing/2010/main" val="0"/>
+              </a:ext>
+            </a:extLst>
+          </a:blip>
+          <a:stretch>
+            <a:fillRect/>
+          </a:stretch>
+        </p:blipFill>
+        <p:spPr bwMode="auto">
+          <a:xfrm>
+            <a:off x="199429" y="3204506"/>
+            <a:ext cx="3797536" cy="2686298"/>
+          </a:xfrm>
+          <a:prstGeom prst="rect">
+            <a:avLst/>
+          </a:prstGeom>
+          <a:noFill/>
+          <a:extLst>
+            <a:ext uri="{909E8E84-426E-40DD-AFC4-6F175D3DCCD1}">
+              <a14:hiddenFill xmlns:a14="http://schemas.microsoft.com/office/drawing/2010/main">
+                <a:solidFill>
+                  <a:srgbClr val="FFFFFF"/>
+                </a:solidFill>
+              </a14:hiddenFill>
+            </a:ext>
+          </a:extLst>
+        </p:spPr>
+      </p:pic>
+      <p:pic>
+        <p:nvPicPr>
+          <p:cNvPr id="6156" name="Picture 12">
+            <a:extLst>
+              <a:ext uri="{FF2B5EF4-FFF2-40B4-BE49-F238E27FC236}">
+                <a16:creationId xmlns:a16="http://schemas.microsoft.com/office/drawing/2014/main" id="{CAABDD05-0D26-D004-9E9C-F03AF5DCAEAD}"/>
+              </a:ext>
+            </a:extLst>
+          </p:cNvPr>
+          <p:cNvPicPr>
+            <a:picLocks noChangeAspect="1" noChangeArrowheads="1"/>
+          </p:cNvPicPr>
+          <p:nvPr/>
+        </p:nvPicPr>
+        <p:blipFill>
+          <a:blip r:embed="rId4">
+            <a:extLst>
+              <a:ext uri="{28A0092B-C50C-407E-A947-70E740481C1C}">
+                <a14:useLocalDpi xmlns:a14="http://schemas.microsoft.com/office/drawing/2010/main" val="0"/>
+              </a:ext>
+            </a:extLst>
+          </a:blip>
+          <a:stretch>
+            <a:fillRect/>
+          </a:stretch>
+        </p:blipFill>
+        <p:spPr bwMode="auto">
+          <a:xfrm>
+            <a:off x="8192673" y="3200228"/>
+            <a:ext cx="3797536" cy="2686298"/>
+          </a:xfrm>
+          <a:prstGeom prst="rect">
+            <a:avLst/>
+          </a:prstGeom>
+          <a:noFill/>
+          <a:extLst>
+            <a:ext uri="{909E8E84-426E-40DD-AFC4-6F175D3DCCD1}">
+              <a14:hiddenFill xmlns:a14="http://schemas.microsoft.com/office/drawing/2010/main">
+                <a:solidFill>
+                  <a:srgbClr val="FFFFFF"/>
+                </a:solidFill>
+              </a14:hiddenFill>
+            </a:ext>
+          </a:extLst>
+        </p:spPr>
+      </p:pic>
+      <p:sp>
+        <p:nvSpPr>
+          <p:cNvPr id="9" name="TextBox 8">
+            <a:extLst>
+              <a:ext uri="{FF2B5EF4-FFF2-40B4-BE49-F238E27FC236}">
+                <a16:creationId xmlns:a16="http://schemas.microsoft.com/office/drawing/2014/main" id="{707D19FF-366B-164A-2E8A-68B83C05C7BA}"/>
+              </a:ext>
+            </a:extLst>
+          </p:cNvPr>
+          <p:cNvSpPr txBox="1"/>
+          <p:nvPr/>
+        </p:nvSpPr>
+        <p:spPr>
+          <a:xfrm>
+            <a:off x="490847" y="2174500"/>
+            <a:ext cx="6097978" cy="923330"/>
+          </a:xfrm>
+          <a:prstGeom prst="rect">
+            <a:avLst/>
+          </a:prstGeom>
+          <a:noFill/>
+        </p:spPr>
+        <p:txBody>
+          <a:bodyPr wrap="square">
+            <a:spAutoFit/>
+          </a:bodyPr>
+          <a:lstStyle/>
+          <a:p>
+            <a:r>
+              <a:rPr lang="en-US" dirty="0"/>
+              <a:t>Pearson rank correlation coefficient: 0.184 </a:t>
+            </a:r>
+          </a:p>
+          <a:p>
+            <a:r>
+              <a:rPr lang="en-US" dirty="0"/>
+              <a:t>Spearman rank correlation coefficient: 0.337 </a:t>
+            </a:r>
+          </a:p>
+          <a:p>
+            <a:r>
+              <a:rPr lang="en-US" dirty="0"/>
+              <a:t>Coefficient of Determination (R^2): 0.034</a:t>
+            </a:r>
+          </a:p>
+        </p:txBody>
+      </p:sp>
+    </p:spTree>
+    <p:extLst>
+      <p:ext uri="{BB962C8B-B14F-4D97-AF65-F5344CB8AC3E}">
+        <p14:creationId xmlns:p14="http://schemas.microsoft.com/office/powerpoint/2010/main" val="2837487757"/>
+      </p:ext>
+    </p:extLst>
+  </p:cSld>
+  <p:clrMapOvr>
+    <a:masterClrMapping/>
+  </p:clrMapOvr>
+</p:sld>
+</file>
+
+<file path=ppt/slides/slide14.xml><?xml version="1.0" encoding="utf-8"?>
+<p:sld xmlns:a="http://schemas.openxmlformats.org/drawingml/2006/main" xmlns:r="http://schemas.openxmlformats.org/officeDocument/2006/relationships" xmlns:p="http://schemas.openxmlformats.org/presentationml/2006/main">
+  <p:cSld>
+    <p:bg>
+      <p:bgPr>
+        <a:solidFill>
+          <a:schemeClr val="bg1"/>
+        </a:solidFill>
+        <a:effectLst/>
+      </p:bgPr>
+    </p:bg>
+    <p:spTree>
+      <p:nvGrpSpPr>
+        <p:cNvPr id="1" name=""/>
+        <p:cNvGrpSpPr/>
+        <p:nvPr/>
+      </p:nvGrpSpPr>
+      <p:grpSpPr>
+        <a:xfrm>
+          <a:off x="0" y="0"/>
+          <a:ext cx="0" cy="0"/>
+          <a:chOff x="0" y="0"/>
+          <a:chExt cx="0" cy="0"/>
+        </a:xfrm>
+      </p:grpSpPr>
+      <p:sp useBgFill="1">
+        <p:nvSpPr>
+          <p:cNvPr id="7191" name="Rectangle 7190">
+            <a:extLst>
+              <a:ext uri="{FF2B5EF4-FFF2-40B4-BE49-F238E27FC236}">
+                <a16:creationId xmlns:a16="http://schemas.microsoft.com/office/drawing/2014/main" id="{70155189-D96C-4527-B0EC-654B946BE615}"/>
+              </a:ext>
+              <a:ext uri="{C183D7F6-B498-43B3-948B-1728B52AA6E4}">
+                <adec:decorative xmlns:adec="http://schemas.microsoft.com/office/drawing/2017/decorative" val="1"/>
+              </a:ext>
+            </a:extLst>
+          </p:cNvPr>
+          <p:cNvSpPr>
+            <a:spLocks noGrp="1" noRot="1" noChangeAspect="1" noMove="1" noResize="1" noEditPoints="1" noAdjustHandles="1" noChangeArrowheads="1" noChangeShapeType="1" noTextEdit="1"/>
+          </p:cNvSpPr>
+          <p:nvPr>
+            <p:extLst>
+              <p:ext uri="{386F3935-93C4-4BCD-93E2-E3B085C9AB24}">
+                <p16:designElem xmlns:p16="http://schemas.microsoft.com/office/powerpoint/2015/main" val="1"/>
+              </p:ext>
+            </p:extLst>
+          </p:nvPr>
+        </p:nvSpPr>
+        <p:spPr>
+          <a:xfrm>
+            <a:off x="-1" y="0"/>
+            <a:ext cx="12188952" cy="6858000"/>
+          </a:xfrm>
+          <a:prstGeom prst="rect">
+            <a:avLst/>
+          </a:prstGeom>
+          <a:ln>
+            <a:noFill/>
+          </a:ln>
+        </p:spPr>
+        <p:style>
+          <a:lnRef idx="2">
+            <a:schemeClr val="accent1">
+              <a:shade val="50000"/>
+            </a:schemeClr>
+          </a:lnRef>
+          <a:fillRef idx="1">
+            <a:schemeClr val="accent1"/>
+          </a:fillRef>
+          <a:effectRef idx="0">
+            <a:schemeClr val="accent1"/>
+          </a:effectRef>
+          <a:fontRef idx="minor">
+            <a:schemeClr val="lt1"/>
+          </a:fontRef>
+        </p:style>
+        <p:txBody>
+          <a:bodyPr rtlCol="0" anchor="ctr"/>
+          <a:lstStyle/>
+          <a:p>
+            <a:pPr algn="ctr"/>
+            <a:endParaRPr lang="en-US"/>
+          </a:p>
+        </p:txBody>
+      </p:sp>
+      <p:sp>
+        <p:nvSpPr>
+          <p:cNvPr id="2" name="Title 1">
+            <a:extLst>
+              <a:ext uri="{FF2B5EF4-FFF2-40B4-BE49-F238E27FC236}">
+                <a16:creationId xmlns:a16="http://schemas.microsoft.com/office/drawing/2014/main" id="{8423BC59-C0AA-5CFE-848E-E7350C081F04}"/>
+              </a:ext>
+            </a:extLst>
+          </p:cNvPr>
+          <p:cNvSpPr>
+            <a:spLocks noGrp="1"/>
+          </p:cNvSpPr>
+          <p:nvPr>
+            <p:ph type="title"/>
+          </p:nvPr>
+        </p:nvSpPr>
+        <p:spPr>
+          <a:xfrm>
+            <a:off x="838200" y="557189"/>
+            <a:ext cx="10515600" cy="2057043"/>
+          </a:xfrm>
+        </p:spPr>
+        <p:txBody>
+          <a:bodyPr vert="horz" lIns="91440" tIns="45720" rIns="91440" bIns="45720" rtlCol="0" anchor="ctr">
+            <a:normAutofit/>
+          </a:bodyPr>
+          <a:lstStyle/>
+          <a:p>
+            <a:r>
+              <a:rPr lang="en-US" sz="5200" kern="1200" dirty="0">
+                <a:solidFill>
+                  <a:schemeClr val="tx1"/>
+                </a:solidFill>
+                <a:latin typeface="+mj-lt"/>
+                <a:ea typeface="+mj-ea"/>
+                <a:cs typeface="+mj-cs"/>
+              </a:rPr>
+              <a:t>PHI: 17.0</a:t>
+            </a:r>
+          </a:p>
+        </p:txBody>
+      </p:sp>
+      <p:pic>
+        <p:nvPicPr>
+          <p:cNvPr id="7184" name="Picture 16">
+            <a:extLst>
+              <a:ext uri="{FF2B5EF4-FFF2-40B4-BE49-F238E27FC236}">
+                <a16:creationId xmlns:a16="http://schemas.microsoft.com/office/drawing/2014/main" id="{00BBA7DC-97A2-D997-6D1F-D61032578651}"/>
+              </a:ext>
+            </a:extLst>
+          </p:cNvPr>
+          <p:cNvPicPr>
+            <a:picLocks noChangeAspect="1" noChangeArrowheads="1"/>
+          </p:cNvPicPr>
+          <p:nvPr/>
+        </p:nvPicPr>
+        <p:blipFill>
+          <a:blip r:embed="rId2">
+            <a:extLst>
+              <a:ext uri="{28A0092B-C50C-407E-A947-70E740481C1C}">
+                <a14:useLocalDpi xmlns:a14="http://schemas.microsoft.com/office/drawing/2010/main" val="0"/>
+              </a:ext>
+            </a:extLst>
+          </a:blip>
+          <a:stretch>
+            <a:fillRect/>
+          </a:stretch>
+        </p:blipFill>
+        <p:spPr bwMode="auto">
+          <a:xfrm>
+            <a:off x="4195707" y="3171421"/>
+            <a:ext cx="3797536" cy="2686298"/>
+          </a:xfrm>
+          <a:prstGeom prst="rect">
+            <a:avLst/>
+          </a:prstGeom>
+          <a:noFill/>
+          <a:extLst>
+            <a:ext uri="{909E8E84-426E-40DD-AFC4-6F175D3DCCD1}">
+              <a14:hiddenFill xmlns:a14="http://schemas.microsoft.com/office/drawing/2010/main">
+                <a:solidFill>
+                  <a:srgbClr val="FFFFFF"/>
+                </a:solidFill>
+              </a14:hiddenFill>
+            </a:ext>
+          </a:extLst>
+        </p:spPr>
+      </p:pic>
+      <p:pic>
+        <p:nvPicPr>
+          <p:cNvPr id="7182" name="Picture 14">
+            <a:extLst>
+              <a:ext uri="{FF2B5EF4-FFF2-40B4-BE49-F238E27FC236}">
+                <a16:creationId xmlns:a16="http://schemas.microsoft.com/office/drawing/2014/main" id="{B3442DB6-F90A-3565-6959-FB0D5557D018}"/>
+              </a:ext>
+            </a:extLst>
+          </p:cNvPr>
+          <p:cNvPicPr>
+            <a:picLocks noChangeAspect="1" noChangeArrowheads="1"/>
+          </p:cNvPicPr>
+          <p:nvPr/>
+        </p:nvPicPr>
+        <p:blipFill>
+          <a:blip r:embed="rId3">
+            <a:extLst>
+              <a:ext uri="{28A0092B-C50C-407E-A947-70E740481C1C}">
+                <a14:useLocalDpi xmlns:a14="http://schemas.microsoft.com/office/drawing/2010/main" val="0"/>
+              </a:ext>
+            </a:extLst>
+          </a:blip>
+          <a:stretch>
+            <a:fillRect/>
+          </a:stretch>
+        </p:blipFill>
+        <p:spPr bwMode="auto">
+          <a:xfrm>
+            <a:off x="198741" y="3200228"/>
+            <a:ext cx="3797536" cy="2686298"/>
+          </a:xfrm>
+          <a:prstGeom prst="rect">
+            <a:avLst/>
+          </a:prstGeom>
+          <a:noFill/>
+          <a:extLst>
+            <a:ext uri="{909E8E84-426E-40DD-AFC4-6F175D3DCCD1}">
+              <a14:hiddenFill xmlns:a14="http://schemas.microsoft.com/office/drawing/2010/main">
+                <a:solidFill>
+                  <a:srgbClr val="FFFFFF"/>
+                </a:solidFill>
+              </a14:hiddenFill>
+            </a:ext>
+          </a:extLst>
+        </p:spPr>
+      </p:pic>
+      <p:pic>
+        <p:nvPicPr>
+          <p:cNvPr id="7186" name="Picture 18">
+            <a:extLst>
+              <a:ext uri="{FF2B5EF4-FFF2-40B4-BE49-F238E27FC236}">
+                <a16:creationId xmlns:a16="http://schemas.microsoft.com/office/drawing/2014/main" id="{9CCD3F6B-FDCF-660B-D4EB-14080DD40BAE}"/>
+              </a:ext>
+            </a:extLst>
+          </p:cNvPr>
+          <p:cNvPicPr>
+            <a:picLocks noChangeAspect="1" noChangeArrowheads="1"/>
+          </p:cNvPicPr>
+          <p:nvPr/>
+        </p:nvPicPr>
+        <p:blipFill>
+          <a:blip r:embed="rId4">
+            <a:extLst>
+              <a:ext uri="{28A0092B-C50C-407E-A947-70E740481C1C}">
+                <a14:useLocalDpi xmlns:a14="http://schemas.microsoft.com/office/drawing/2010/main" val="0"/>
+              </a:ext>
+            </a:extLst>
+          </a:blip>
+          <a:stretch>
+            <a:fillRect/>
+          </a:stretch>
+        </p:blipFill>
+        <p:spPr bwMode="auto">
+          <a:xfrm>
+            <a:off x="8192673" y="3200228"/>
+            <a:ext cx="3797536" cy="2686298"/>
+          </a:xfrm>
+          <a:prstGeom prst="rect">
+            <a:avLst/>
+          </a:prstGeom>
+          <a:noFill/>
+          <a:extLst>
+            <a:ext uri="{909E8E84-426E-40DD-AFC4-6F175D3DCCD1}">
+              <a14:hiddenFill xmlns:a14="http://schemas.microsoft.com/office/drawing/2010/main">
+                <a:solidFill>
+                  <a:srgbClr val="FFFFFF"/>
+                </a:solidFill>
+              </a14:hiddenFill>
+            </a:ext>
+          </a:extLst>
+        </p:spPr>
+      </p:pic>
+      <p:sp>
+        <p:nvSpPr>
+          <p:cNvPr id="9" name="TextBox 8">
+            <a:extLst>
+              <a:ext uri="{FF2B5EF4-FFF2-40B4-BE49-F238E27FC236}">
+                <a16:creationId xmlns:a16="http://schemas.microsoft.com/office/drawing/2014/main" id="{BBA4E92C-9DCF-AEE7-678F-7301C9C44FD3}"/>
+              </a:ext>
+            </a:extLst>
+          </p:cNvPr>
+          <p:cNvSpPr txBox="1"/>
+          <p:nvPr/>
+        </p:nvSpPr>
+        <p:spPr>
+          <a:xfrm>
+            <a:off x="534390" y="2152567"/>
+            <a:ext cx="6097978" cy="923330"/>
+          </a:xfrm>
+          <a:prstGeom prst="rect">
+            <a:avLst/>
+          </a:prstGeom>
+          <a:noFill/>
+        </p:spPr>
+        <p:txBody>
+          <a:bodyPr wrap="square">
+            <a:spAutoFit/>
+          </a:bodyPr>
+          <a:lstStyle/>
+          <a:p>
+            <a:r>
+              <a:rPr lang="en-US" dirty="0"/>
+              <a:t>Pearson rank correlation coefficient: 0.162 </a:t>
+            </a:r>
+          </a:p>
+          <a:p>
+            <a:r>
+              <a:rPr lang="en-US" dirty="0"/>
+              <a:t>Spearman rank correlation coefficient: 0.262 </a:t>
+            </a:r>
+          </a:p>
+          <a:p>
+            <a:r>
+              <a:rPr lang="en-US" dirty="0"/>
+              <a:t>Coefficient of Determination (R^2): 0.026</a:t>
+            </a:r>
+          </a:p>
+        </p:txBody>
+      </p:sp>
+    </p:spTree>
+    <p:extLst>
+      <p:ext uri="{BB962C8B-B14F-4D97-AF65-F5344CB8AC3E}">
+        <p14:creationId xmlns:p14="http://schemas.microsoft.com/office/powerpoint/2010/main" val="1579801320"/>
+      </p:ext>
+    </p:extLst>
+  </p:cSld>
+  <p:clrMapOvr>
+    <a:masterClrMapping/>
+  </p:clrMapOvr>
+</p:sld>
+</file>
+
 <file path=ppt/slides/slide2.xml><?xml version="1.0" encoding="utf-8"?>
 <p:sld xmlns:a="http://schemas.openxmlformats.org/drawingml/2006/main" xmlns:r="http://schemas.openxmlformats.org/officeDocument/2006/relationships" xmlns:p="http://schemas.openxmlformats.org/presentationml/2006/main">
   <p:cSld>
@@ -4521,7 +6282,7 @@
       </p:sp>
       <p:graphicFrame>
         <p:nvGraphicFramePr>
-          <p:cNvPr id="8" name="Chart 7">
+          <p:cNvPr id="9" name="Chart 8">
             <a:extLst>
               <a:ext uri="{FF2B5EF4-FFF2-40B4-BE49-F238E27FC236}">
                 <a16:creationId xmlns:a16="http://schemas.microsoft.com/office/drawing/2014/main" id="{3C14E98B-8A81-2F07-B402-EF5D8613A7BD}"/>
@@ -4534,14 +6295,14 @@
           <p:nvPr>
             <p:extLst>
               <p:ext uri="{D42A27DB-BD31-4B8C-83A1-F6EECF244321}">
-                <p14:modId xmlns:p14="http://schemas.microsoft.com/office/powerpoint/2010/main" val="1781815334"/>
+                <p14:modId xmlns:p14="http://schemas.microsoft.com/office/powerpoint/2010/main" val="451777331"/>
               </p:ext>
             </p:extLst>
           </p:nvPr>
         </p:nvGraphicFramePr>
         <p:xfrm>
-          <a:off x="1881744" y="1690688"/>
-          <a:ext cx="8428512" cy="4877790"/>
+          <a:off x="838200" y="1690687"/>
+          <a:ext cx="10515600" cy="4802187"/>
         </p:xfrm>
         <a:graphic>
           <a:graphicData uri="http://schemas.openxmlformats.org/drawingml/2006/chart">
@@ -4907,7 +6668,7 @@
       </p:grpSpPr>
       <p:sp useBgFill="1">
         <p:nvSpPr>
-          <p:cNvPr id="1045" name="Rectangle 1044">
+          <p:cNvPr id="8203" name="Rectangle 8202">
             <a:extLst>
               <a:ext uri="{FF2B5EF4-FFF2-40B4-BE49-F238E27FC236}">
                 <a16:creationId xmlns:a16="http://schemas.microsoft.com/office/drawing/2014/main" id="{70155189-D96C-4527-B0EC-654B946BE615}"/>
@@ -4970,7 +6731,7 @@
           <p:cNvPr id="2" name="Title 1">
             <a:extLst>
               <a:ext uri="{FF2B5EF4-FFF2-40B4-BE49-F238E27FC236}">
-                <a16:creationId xmlns:a16="http://schemas.microsoft.com/office/drawing/2014/main" id="{9258AAF7-9A4E-5A9F-5E25-0D626AA4167A}"/>
+                <a16:creationId xmlns:a16="http://schemas.microsoft.com/office/drawing/2014/main" id="{E8973730-7C7B-07E7-C32F-7CF32464E057}"/>
               </a:ext>
             </a:extLst>
           </p:cNvPr>
@@ -4983,29 +6744,36 @@
         </p:nvSpPr>
         <p:spPr>
           <a:xfrm>
-            <a:off x="1198181" y="557189"/>
-            <a:ext cx="9795637" cy="1104857"/>
-          </a:xfrm>
-        </p:spPr>
-        <p:txBody>
-          <a:bodyPr vert="horz" lIns="91440" tIns="45720" rIns="91440" bIns="45720" rtlCol="0" anchor="b">
+            <a:off x="838200" y="557189"/>
+            <a:ext cx="10515600" cy="2057043"/>
+          </a:xfrm>
+        </p:spPr>
+        <p:txBody>
+          <a:bodyPr vert="horz" lIns="91440" tIns="45720" rIns="91440" bIns="45720" rtlCol="0" anchor="ctr">
             <a:normAutofit/>
           </a:bodyPr>
           <a:lstStyle/>
           <a:p>
             <a:r>
-              <a:rPr lang="en-US" sz="5200" dirty="0"/>
-              <a:t>PHI: 9.5</a:t>
+              <a:rPr lang="en-US" sz="5200" kern="1200" dirty="0">
+                <a:solidFill>
+                  <a:schemeClr val="tx1"/>
+                </a:solidFill>
+                <a:latin typeface="+mj-lt"/>
+                <a:ea typeface="+mj-ea"/>
+                <a:cs typeface="+mj-cs"/>
+              </a:rPr>
+              <a:t>PHI: 9.0</a:t>
             </a:r>
           </a:p>
         </p:txBody>
       </p:sp>
       <p:pic>
         <p:nvPicPr>
-          <p:cNvPr id="1032" name="Picture 8" descr="A graph with black dots&#10;&#10;Description automatically generated">
-            <a:extLst>
-              <a:ext uri="{FF2B5EF4-FFF2-40B4-BE49-F238E27FC236}">
-                <a16:creationId xmlns:a16="http://schemas.microsoft.com/office/drawing/2014/main" id="{720AA4B7-3F6D-B15A-89FF-16A786BE77DB}"/>
+          <p:cNvPr id="8194" name="Picture 2" descr="A graph with black dots and red line&#10;&#10;Description automatically generated">
+            <a:extLst>
+              <a:ext uri="{FF2B5EF4-FFF2-40B4-BE49-F238E27FC236}">
+                <a16:creationId xmlns:a16="http://schemas.microsoft.com/office/drawing/2014/main" id="{651D20E8-4C90-5BF5-4B8D-CA8EF50C7945}"/>
               </a:ext>
             </a:extLst>
           </p:cNvPr>
@@ -5048,10 +6816,10 @@
       </p:pic>
       <p:pic>
         <p:nvPicPr>
-          <p:cNvPr id="1034" name="Picture 10" descr="A screen shot of a graph&#10;&#10;Description automatically generated">
-            <a:extLst>
-              <a:ext uri="{FF2B5EF4-FFF2-40B4-BE49-F238E27FC236}">
-                <a16:creationId xmlns:a16="http://schemas.microsoft.com/office/drawing/2014/main" id="{10BADFAE-2334-8ACD-23CE-E5B31F907E2F}"/>
+          <p:cNvPr id="8196" name="Picture 4" descr="A screen shot of a graph&#10;&#10;Description automatically generated">
+            <a:extLst>
+              <a:ext uri="{FF2B5EF4-FFF2-40B4-BE49-F238E27FC236}">
+                <a16:creationId xmlns:a16="http://schemas.microsoft.com/office/drawing/2014/main" id="{95E20D34-6970-9D03-BDDA-17CA2F2644AE}"/>
               </a:ext>
             </a:extLst>
           </p:cNvPr>
@@ -5094,10 +6862,10 @@
       </p:pic>
       <p:pic>
         <p:nvPicPr>
-          <p:cNvPr id="1036" name="Picture 12" descr="A screen shot of a graph&#10;&#10;Description automatically generated">
-            <a:extLst>
-              <a:ext uri="{FF2B5EF4-FFF2-40B4-BE49-F238E27FC236}">
-                <a16:creationId xmlns:a16="http://schemas.microsoft.com/office/drawing/2014/main" id="{1AAFBF1E-84B2-F9A8-E187-73C7B6859ADC}"/>
+          <p:cNvPr id="8198" name="Picture 6" descr="A screen shot of a graph&#10;&#10;Description automatically generated">
+            <a:extLst>
+              <a:ext uri="{FF2B5EF4-FFF2-40B4-BE49-F238E27FC236}">
+                <a16:creationId xmlns:a16="http://schemas.microsoft.com/office/drawing/2014/main" id="{C38F63D8-AED1-EA1C-2788-9CCB22FA49B3}"/>
               </a:ext>
             </a:extLst>
           </p:cNvPr>
@@ -5140,10 +6908,10 @@
       </p:pic>
       <p:sp>
         <p:nvSpPr>
-          <p:cNvPr id="7" name="TextBox 6">
-            <a:extLst>
-              <a:ext uri="{FF2B5EF4-FFF2-40B4-BE49-F238E27FC236}">
-                <a16:creationId xmlns:a16="http://schemas.microsoft.com/office/drawing/2014/main" id="{DAA3B74F-9F04-7A4E-4DD1-B246358305EF}"/>
+          <p:cNvPr id="5" name="TextBox 4">
+            <a:extLst>
+              <a:ext uri="{FF2B5EF4-FFF2-40B4-BE49-F238E27FC236}">
+                <a16:creationId xmlns:a16="http://schemas.microsoft.com/office/drawing/2014/main" id="{041272CF-1DCD-B15A-7D94-0C130CD2CF5A}"/>
               </a:ext>
             </a:extLst>
           </p:cNvPr>
@@ -5152,8 +6920,8 @@
         </p:nvSpPr>
         <p:spPr>
           <a:xfrm>
-            <a:off x="779362" y="1969472"/>
-            <a:ext cx="6096000" cy="923330"/>
+            <a:off x="349333" y="2076367"/>
+            <a:ext cx="6097978" cy="923330"/>
           </a:xfrm>
           <a:prstGeom prst="rect">
             <a:avLst/>
@@ -5168,19 +6936,19 @@
           <a:p>
             <a:r>
               <a:rPr lang="en-US" dirty="0"/>
-              <a:t>Pearson rank correlation coefficient: 0.181 </a:t>
+              <a:t>Pearson rank correlation coefficient: 0.187 </a:t>
             </a:r>
           </a:p>
           <a:p>
             <a:r>
               <a:rPr lang="en-US" dirty="0"/>
-              <a:t>Spearman rank correlation coefficient: 0.402 </a:t>
+              <a:t>Spearman rank correlation coefficient: 0.365 </a:t>
             </a:r>
           </a:p>
           <a:p>
             <a:r>
               <a:rPr lang="en-US" dirty="0"/>
-              <a:t>Coefficient of Determination (R^2): 0.033</a:t>
+              <a:t>Coefficient of Determination (R^2): 0.035</a:t>
             </a:r>
           </a:p>
         </p:txBody>
@@ -5188,7 +6956,7 @@
     </p:spTree>
     <p:extLst>
       <p:ext uri="{BB962C8B-B14F-4D97-AF65-F5344CB8AC3E}">
-        <p14:creationId xmlns:p14="http://schemas.microsoft.com/office/powerpoint/2010/main" val="4084074180"/>
+        <p14:creationId xmlns:p14="http://schemas.microsoft.com/office/powerpoint/2010/main" val="1430605975"/>
       </p:ext>
     </p:extLst>
   </p:cSld>
@@ -5225,7 +6993,7 @@
       </p:grpSpPr>
       <p:sp useBgFill="1">
         <p:nvSpPr>
-          <p:cNvPr id="3089" name="Rectangle 3088">
+          <p:cNvPr id="1045" name="Rectangle 1044">
             <a:extLst>
               <a:ext uri="{FF2B5EF4-FFF2-40B4-BE49-F238E27FC236}">
                 <a16:creationId xmlns:a16="http://schemas.microsoft.com/office/drawing/2014/main" id="{70155189-D96C-4527-B0EC-654B946BE615}"/>
@@ -5288,7 +7056,7 @@
           <p:cNvPr id="2" name="Title 1">
             <a:extLst>
               <a:ext uri="{FF2B5EF4-FFF2-40B4-BE49-F238E27FC236}">
-                <a16:creationId xmlns:a16="http://schemas.microsoft.com/office/drawing/2014/main" id="{F1C666BC-0FA6-2E59-75FE-98976F49F216}"/>
+                <a16:creationId xmlns:a16="http://schemas.microsoft.com/office/drawing/2014/main" id="{9258AAF7-9A4E-5A9F-5E25-0D626AA4167A}"/>
               </a:ext>
             </a:extLst>
           </p:cNvPr>
@@ -5313,17 +7081,17 @@
           <a:p>
             <a:r>
               <a:rPr lang="en-US" sz="5200" dirty="0"/>
-              <a:t>PHI: 11.0</a:t>
+              <a:t>PHI: 9.5</a:t>
             </a:r>
           </a:p>
         </p:txBody>
       </p:sp>
       <p:pic>
         <p:nvPicPr>
-          <p:cNvPr id="3082" name="Picture 10" descr="A screen shot of a graph&#10;&#10;Description automatically generated">
-            <a:extLst>
-              <a:ext uri="{FF2B5EF4-FFF2-40B4-BE49-F238E27FC236}">
-                <a16:creationId xmlns:a16="http://schemas.microsoft.com/office/drawing/2014/main" id="{3DDC0260-187C-84F2-2E74-97B1FD5092CB}"/>
+          <p:cNvPr id="1032" name="Picture 8" descr="A graph with black dots&#10;&#10;Description automatically generated">
+            <a:extLst>
+              <a:ext uri="{FF2B5EF4-FFF2-40B4-BE49-F238E27FC236}">
+                <a16:creationId xmlns:a16="http://schemas.microsoft.com/office/drawing/2014/main" id="{720AA4B7-3F6D-B15A-89FF-16A786BE77DB}"/>
               </a:ext>
             </a:extLst>
           </p:cNvPr>
@@ -5346,7 +7114,7 @@
         </p:blipFill>
         <p:spPr bwMode="auto">
           <a:xfrm>
-            <a:off x="4196395" y="3200228"/>
+            <a:off x="194099" y="3200228"/>
             <a:ext cx="3797536" cy="2686298"/>
           </a:xfrm>
           <a:prstGeom prst="rect">
@@ -5366,10 +7134,10 @@
       </p:pic>
       <p:pic>
         <p:nvPicPr>
-          <p:cNvPr id="3080" name="Picture 8" descr="A graph with black dots&#10;&#10;Description automatically generated">
-            <a:extLst>
-              <a:ext uri="{FF2B5EF4-FFF2-40B4-BE49-F238E27FC236}">
-                <a16:creationId xmlns:a16="http://schemas.microsoft.com/office/drawing/2014/main" id="{1D790ABC-3B5C-350F-20C7-006E8A4F295D}"/>
+          <p:cNvPr id="1034" name="Picture 10" descr="A screen shot of a graph&#10;&#10;Description automatically generated">
+            <a:extLst>
+              <a:ext uri="{FF2B5EF4-FFF2-40B4-BE49-F238E27FC236}">
+                <a16:creationId xmlns:a16="http://schemas.microsoft.com/office/drawing/2014/main" id="{10BADFAE-2334-8ACD-23CE-E5B31F907E2F}"/>
               </a:ext>
             </a:extLst>
           </p:cNvPr>
@@ -5392,7 +7160,7 @@
         </p:blipFill>
         <p:spPr bwMode="auto">
           <a:xfrm>
-            <a:off x="199429" y="3200228"/>
+            <a:off x="4193386" y="3200228"/>
             <a:ext cx="3797536" cy="2686298"/>
           </a:xfrm>
           <a:prstGeom prst="rect">
@@ -5412,10 +7180,10 @@
       </p:pic>
       <p:pic>
         <p:nvPicPr>
-          <p:cNvPr id="3084" name="Picture 12" descr="A screen shot of a graph&#10;&#10;Description automatically generated">
-            <a:extLst>
-              <a:ext uri="{FF2B5EF4-FFF2-40B4-BE49-F238E27FC236}">
-                <a16:creationId xmlns:a16="http://schemas.microsoft.com/office/drawing/2014/main" id="{F0D0F52A-D98E-5620-5DB9-36EA1508B890}"/>
+          <p:cNvPr id="1036" name="Picture 12" descr="A screen shot of a graph&#10;&#10;Description automatically generated">
+            <a:extLst>
+              <a:ext uri="{FF2B5EF4-FFF2-40B4-BE49-F238E27FC236}">
+                <a16:creationId xmlns:a16="http://schemas.microsoft.com/office/drawing/2014/main" id="{1AAFBF1E-84B2-F9A8-E187-73C7B6859ADC}"/>
               </a:ext>
             </a:extLst>
           </p:cNvPr>
@@ -5461,7 +7229,7 @@
           <p:cNvPr id="7" name="TextBox 6">
             <a:extLst>
               <a:ext uri="{FF2B5EF4-FFF2-40B4-BE49-F238E27FC236}">
-                <a16:creationId xmlns:a16="http://schemas.microsoft.com/office/drawing/2014/main" id="{FFDFEDEB-23A2-1F98-F903-47555208706E}"/>
+                <a16:creationId xmlns:a16="http://schemas.microsoft.com/office/drawing/2014/main" id="{DAA3B74F-9F04-7A4E-4DD1-B246358305EF}"/>
               </a:ext>
             </a:extLst>
           </p:cNvPr>
@@ -5470,7 +7238,7 @@
         </p:nvSpPr>
         <p:spPr>
           <a:xfrm>
-            <a:off x="555171" y="1969472"/>
+            <a:off x="779362" y="1969472"/>
             <a:ext cx="6096000" cy="923330"/>
           </a:xfrm>
           <a:prstGeom prst="rect">
@@ -5486,19 +7254,19 @@
           <a:p>
             <a:r>
               <a:rPr lang="en-US" dirty="0"/>
-              <a:t>Pearson rank correlation coefficient: 0.160 </a:t>
+              <a:t>Pearson rank correlation coefficient: 0.181 </a:t>
             </a:r>
           </a:p>
           <a:p>
             <a:r>
               <a:rPr lang="en-US" dirty="0"/>
-              <a:t>Spearman rank correlation coefficient: 0.285 </a:t>
+              <a:t>Spearman rank correlation coefficient: 0.402 </a:t>
             </a:r>
           </a:p>
           <a:p>
             <a:r>
               <a:rPr lang="en-US" dirty="0"/>
-              <a:t>Coefficient of Determination (R^2): 0.026</a:t>
+              <a:t>Coefficient of Determination (R^2): 0.033</a:t>
             </a:r>
           </a:p>
         </p:txBody>
@@ -5506,7 +7274,7 @@
     </p:spTree>
     <p:extLst>
       <p:ext uri="{BB962C8B-B14F-4D97-AF65-F5344CB8AC3E}">
-        <p14:creationId xmlns:p14="http://schemas.microsoft.com/office/powerpoint/2010/main" val="4150645701"/>
+        <p14:creationId xmlns:p14="http://schemas.microsoft.com/office/powerpoint/2010/main" val="4084074180"/>
       </p:ext>
     </p:extLst>
   </p:cSld>
@@ -5543,7 +7311,7 @@
       </p:grpSpPr>
       <p:sp useBgFill="1">
         <p:nvSpPr>
-          <p:cNvPr id="4113" name="Rectangle 4112">
+          <p:cNvPr id="9227" name="Rectangle 9226">
             <a:extLst>
               <a:ext uri="{FF2B5EF4-FFF2-40B4-BE49-F238E27FC236}">
                 <a16:creationId xmlns:a16="http://schemas.microsoft.com/office/drawing/2014/main" id="{70155189-D96C-4527-B0EC-654B946BE615}"/>
@@ -5606,7 +7374,7 @@
           <p:cNvPr id="2" name="Title 1">
             <a:extLst>
               <a:ext uri="{FF2B5EF4-FFF2-40B4-BE49-F238E27FC236}">
-                <a16:creationId xmlns:a16="http://schemas.microsoft.com/office/drawing/2014/main" id="{8CD15771-7CDA-2947-C158-8A17FE582FCE}"/>
+                <a16:creationId xmlns:a16="http://schemas.microsoft.com/office/drawing/2014/main" id="{E3B95B62-A56D-BC5B-6158-4AD24DA508D3}"/>
               </a:ext>
             </a:extLst>
           </p:cNvPr>
@@ -5619,29 +7387,36 @@
         </p:nvSpPr>
         <p:spPr>
           <a:xfrm>
-            <a:off x="1198181" y="557189"/>
-            <a:ext cx="9795637" cy="1104857"/>
-          </a:xfrm>
-        </p:spPr>
-        <p:txBody>
-          <a:bodyPr vert="horz" lIns="91440" tIns="45720" rIns="91440" bIns="45720" rtlCol="0" anchor="b">
+            <a:off x="838200" y="557189"/>
+            <a:ext cx="10515600" cy="2057043"/>
+          </a:xfrm>
+        </p:spPr>
+        <p:txBody>
+          <a:bodyPr vert="horz" lIns="91440" tIns="45720" rIns="91440" bIns="45720" rtlCol="0" anchor="ctr">
             <a:normAutofit/>
           </a:bodyPr>
           <a:lstStyle/>
           <a:p>
             <a:r>
-              <a:rPr lang="en-US" sz="5200"/>
-              <a:t>PHI: 12.5</a:t>
+              <a:rPr lang="en-US" sz="5200" kern="1200" dirty="0">
+                <a:solidFill>
+                  <a:schemeClr val="tx1"/>
+                </a:solidFill>
+                <a:latin typeface="+mj-lt"/>
+                <a:ea typeface="+mj-ea"/>
+                <a:cs typeface="+mj-cs"/>
+              </a:rPr>
+              <a:t>PHI: 10.0</a:t>
             </a:r>
           </a:p>
         </p:txBody>
       </p:sp>
       <p:pic>
         <p:nvPicPr>
-          <p:cNvPr id="4106" name="Picture 10" descr="A screen shot of a graph&#10;&#10;Description automatically generated">
-            <a:extLst>
-              <a:ext uri="{FF2B5EF4-FFF2-40B4-BE49-F238E27FC236}">
-                <a16:creationId xmlns:a16="http://schemas.microsoft.com/office/drawing/2014/main" id="{BEFDA0E3-F137-2F05-3A91-A3DF86BE70FF}"/>
+          <p:cNvPr id="9218" name="Picture 2" descr="A screen shot of a graph&#10;&#10;Description automatically generated">
+            <a:extLst>
+              <a:ext uri="{FF2B5EF4-FFF2-40B4-BE49-F238E27FC236}">
+                <a16:creationId xmlns:a16="http://schemas.microsoft.com/office/drawing/2014/main" id="{75A340C7-D03A-41EC-22E2-1122D6961EA2}"/>
               </a:ext>
             </a:extLst>
           </p:cNvPr>
@@ -5664,7 +7439,7 @@
         </p:blipFill>
         <p:spPr bwMode="auto">
           <a:xfrm>
-            <a:off x="4152852" y="3200228"/>
+            <a:off x="194099" y="3200228"/>
             <a:ext cx="3797536" cy="2686298"/>
           </a:xfrm>
           <a:prstGeom prst="rect">
@@ -5684,10 +7459,10 @@
       </p:pic>
       <p:pic>
         <p:nvPicPr>
-          <p:cNvPr id="4104" name="Picture 8" descr="A graph with black dots and red line&#10;&#10;Description automatically generated">
-            <a:extLst>
-              <a:ext uri="{FF2B5EF4-FFF2-40B4-BE49-F238E27FC236}">
-                <a16:creationId xmlns:a16="http://schemas.microsoft.com/office/drawing/2014/main" id="{DEAAA09C-398C-2F9E-85C2-813F283EFDF9}"/>
+          <p:cNvPr id="9220" name="Picture 4" descr="A screen shot of a graph&#10;&#10;Description automatically generated">
+            <a:extLst>
+              <a:ext uri="{FF2B5EF4-FFF2-40B4-BE49-F238E27FC236}">
+                <a16:creationId xmlns:a16="http://schemas.microsoft.com/office/drawing/2014/main" id="{D12A2EFC-649A-E851-77AD-7AD64F4E31A3}"/>
               </a:ext>
             </a:extLst>
           </p:cNvPr>
@@ -5710,7 +7485,7 @@
         </p:blipFill>
         <p:spPr bwMode="auto">
           <a:xfrm>
-            <a:off x="234174" y="3200228"/>
+            <a:off x="4193386" y="3200228"/>
             <a:ext cx="3797536" cy="2686298"/>
           </a:xfrm>
           <a:prstGeom prst="rect">
@@ -5730,10 +7505,10 @@
       </p:pic>
       <p:pic>
         <p:nvPicPr>
-          <p:cNvPr id="4108" name="Picture 12" descr="A screen shot of a graph&#10;&#10;Description automatically generated">
-            <a:extLst>
-              <a:ext uri="{FF2B5EF4-FFF2-40B4-BE49-F238E27FC236}">
-                <a16:creationId xmlns:a16="http://schemas.microsoft.com/office/drawing/2014/main" id="{1DD50F75-8B9C-8AC5-A0A9-85296E9FB6C3}"/>
+          <p:cNvPr id="9222" name="Picture 6" descr="A screen shot of a graph&#10;&#10;Description automatically generated">
+            <a:extLst>
+              <a:ext uri="{FF2B5EF4-FFF2-40B4-BE49-F238E27FC236}">
+                <a16:creationId xmlns:a16="http://schemas.microsoft.com/office/drawing/2014/main" id="{86005F28-85E7-69E4-7488-34A5F2F0924C}"/>
               </a:ext>
             </a:extLst>
           </p:cNvPr>
@@ -5776,10 +7551,10 @@
       </p:pic>
       <p:sp>
         <p:nvSpPr>
-          <p:cNvPr id="7" name="TextBox 6">
-            <a:extLst>
-              <a:ext uri="{FF2B5EF4-FFF2-40B4-BE49-F238E27FC236}">
-                <a16:creationId xmlns:a16="http://schemas.microsoft.com/office/drawing/2014/main" id="{FEFA3657-CADA-1114-D37C-F3BC6D8D8E60}"/>
+          <p:cNvPr id="5" name="TextBox 4">
+            <a:extLst>
+              <a:ext uri="{FF2B5EF4-FFF2-40B4-BE49-F238E27FC236}">
+                <a16:creationId xmlns:a16="http://schemas.microsoft.com/office/drawing/2014/main" id="{A100CFCA-2997-4526-0BDF-7BE6F327CD73}"/>
               </a:ext>
             </a:extLst>
           </p:cNvPr>
@@ -5788,8 +7563,8 @@
         </p:nvSpPr>
         <p:spPr>
           <a:xfrm>
-            <a:off x="446314" y="1969472"/>
-            <a:ext cx="6096000" cy="923330"/>
+            <a:off x="316676" y="2076367"/>
+            <a:ext cx="6097978" cy="923330"/>
           </a:xfrm>
           <a:prstGeom prst="rect">
             <a:avLst/>
@@ -5804,19 +7579,19 @@
           <a:p>
             <a:r>
               <a:rPr lang="en-US" dirty="0"/>
-              <a:t>Pearson rank correlation coefficient: 0.168 </a:t>
+              <a:t>Pearson rank correlation coefficient: 0.179 </a:t>
             </a:r>
           </a:p>
           <a:p>
             <a:r>
               <a:rPr lang="en-US" dirty="0"/>
-              <a:t>Spearman rank correlation coefficient: 0.289 </a:t>
+              <a:t>Spearman rank correlation coefficient: 0.378 </a:t>
             </a:r>
           </a:p>
           <a:p>
             <a:r>
               <a:rPr lang="en-US" dirty="0"/>
-              <a:t>Coefficient of Determination (R^2): 0.028</a:t>
+              <a:t>Coefficient of Determination (R^2): 0.032</a:t>
             </a:r>
           </a:p>
         </p:txBody>
@@ -5824,7 +7599,7 @@
     </p:spTree>
     <p:extLst>
       <p:ext uri="{BB962C8B-B14F-4D97-AF65-F5344CB8AC3E}">
-        <p14:creationId xmlns:p14="http://schemas.microsoft.com/office/powerpoint/2010/main" val="3989657120"/>
+        <p14:creationId xmlns:p14="http://schemas.microsoft.com/office/powerpoint/2010/main" val="1146075732"/>
       </p:ext>
     </p:extLst>
   </p:cSld>
@@ -5861,7 +7636,7 @@
       </p:grpSpPr>
       <p:sp useBgFill="1">
         <p:nvSpPr>
-          <p:cNvPr id="5137" name="Rectangle 5136">
+          <p:cNvPr id="10251" name="Rectangle 10250">
             <a:extLst>
               <a:ext uri="{FF2B5EF4-FFF2-40B4-BE49-F238E27FC236}">
                 <a16:creationId xmlns:a16="http://schemas.microsoft.com/office/drawing/2014/main" id="{70155189-D96C-4527-B0EC-654B946BE615}"/>
@@ -5924,7 +7699,7 @@
           <p:cNvPr id="2" name="Title 1">
             <a:extLst>
               <a:ext uri="{FF2B5EF4-FFF2-40B4-BE49-F238E27FC236}">
-                <a16:creationId xmlns:a16="http://schemas.microsoft.com/office/drawing/2014/main" id="{598AA84D-3976-72BD-62E7-0662C20A2470}"/>
+                <a16:creationId xmlns:a16="http://schemas.microsoft.com/office/drawing/2014/main" id="{05A91443-ECB6-CF19-7499-673698D08D9B}"/>
               </a:ext>
             </a:extLst>
           </p:cNvPr>
@@ -5937,29 +7712,36 @@
         </p:nvSpPr>
         <p:spPr>
           <a:xfrm>
-            <a:off x="1198181" y="557189"/>
-            <a:ext cx="9795637" cy="1104857"/>
-          </a:xfrm>
-        </p:spPr>
-        <p:txBody>
-          <a:bodyPr vert="horz" lIns="91440" tIns="45720" rIns="91440" bIns="45720" rtlCol="0" anchor="b">
+            <a:off x="838200" y="557189"/>
+            <a:ext cx="10515600" cy="2057043"/>
+          </a:xfrm>
+        </p:spPr>
+        <p:txBody>
+          <a:bodyPr vert="horz" lIns="91440" tIns="45720" rIns="91440" bIns="45720" rtlCol="0" anchor="ctr">
             <a:normAutofit/>
           </a:bodyPr>
           <a:lstStyle/>
           <a:p>
             <a:r>
-              <a:rPr lang="en-US" sz="5200" dirty="0"/>
-              <a:t>PHI: 14.0</a:t>
+              <a:rPr lang="en-US" sz="5200" kern="1200">
+                <a:solidFill>
+                  <a:schemeClr val="tx1"/>
+                </a:solidFill>
+                <a:latin typeface="+mj-lt"/>
+                <a:ea typeface="+mj-ea"/>
+                <a:cs typeface="+mj-cs"/>
+              </a:rPr>
+              <a:t>PHI: 10.5</a:t>
             </a:r>
           </a:p>
         </p:txBody>
       </p:sp>
       <p:pic>
         <p:nvPicPr>
-          <p:cNvPr id="5130" name="Picture 10" descr="A graph with blue dots and red lines&#10;&#10;Description automatically generated">
-            <a:extLst>
-              <a:ext uri="{FF2B5EF4-FFF2-40B4-BE49-F238E27FC236}">
-                <a16:creationId xmlns:a16="http://schemas.microsoft.com/office/drawing/2014/main" id="{AB1E1615-040D-43EC-E879-E455DBA59F38}"/>
+          <p:cNvPr id="10244" name="Picture 4">
+            <a:extLst>
+              <a:ext uri="{FF2B5EF4-FFF2-40B4-BE49-F238E27FC236}">
+                <a16:creationId xmlns:a16="http://schemas.microsoft.com/office/drawing/2014/main" id="{8F564C50-6293-52FC-48EF-D3462CE86051}"/>
               </a:ext>
             </a:extLst>
           </p:cNvPr>
@@ -5982,7 +7764,7 @@
         </p:blipFill>
         <p:spPr bwMode="auto">
           <a:xfrm>
-            <a:off x="4193386" y="3200228"/>
+            <a:off x="4195707" y="3200228"/>
             <a:ext cx="3797536" cy="2686298"/>
           </a:xfrm>
           <a:prstGeom prst="rect">
@@ -6002,10 +7784,10 @@
       </p:pic>
       <p:pic>
         <p:nvPicPr>
-          <p:cNvPr id="5128" name="Picture 8" descr="A graph of black dots&#10;&#10;Description automatically generated">
-            <a:extLst>
-              <a:ext uri="{FF2B5EF4-FFF2-40B4-BE49-F238E27FC236}">
-                <a16:creationId xmlns:a16="http://schemas.microsoft.com/office/drawing/2014/main" id="{03BDFC13-6E16-D4AE-3A55-7E990595874E}"/>
+          <p:cNvPr id="10242" name="Picture 2">
+            <a:extLst>
+              <a:ext uri="{FF2B5EF4-FFF2-40B4-BE49-F238E27FC236}">
+                <a16:creationId xmlns:a16="http://schemas.microsoft.com/office/drawing/2014/main" id="{5A25EA9A-96F2-A88E-D754-034D5DEBBB37}"/>
               </a:ext>
             </a:extLst>
           </p:cNvPr>
@@ -6028,7 +7810,7 @@
         </p:blipFill>
         <p:spPr bwMode="auto">
           <a:xfrm>
-            <a:off x="197925" y="3200228"/>
+            <a:off x="108274" y="3200228"/>
             <a:ext cx="3797536" cy="2686298"/>
           </a:xfrm>
           <a:prstGeom prst="rect">
@@ -6048,10 +7830,10 @@
       </p:pic>
       <p:pic>
         <p:nvPicPr>
-          <p:cNvPr id="5132" name="Picture 12" descr="A screen shot of a graph&#10;&#10;Description automatically generated">
-            <a:extLst>
-              <a:ext uri="{FF2B5EF4-FFF2-40B4-BE49-F238E27FC236}">
-                <a16:creationId xmlns:a16="http://schemas.microsoft.com/office/drawing/2014/main" id="{328B02B4-B5F4-D481-1408-774564B1C0C6}"/>
+          <p:cNvPr id="10246" name="Picture 6">
+            <a:extLst>
+              <a:ext uri="{FF2B5EF4-FFF2-40B4-BE49-F238E27FC236}">
+                <a16:creationId xmlns:a16="http://schemas.microsoft.com/office/drawing/2014/main" id="{7535C539-8754-6270-FEBB-7F35EEC15A17}"/>
               </a:ext>
             </a:extLst>
           </p:cNvPr>
@@ -6094,10 +7876,10 @@
       </p:pic>
       <p:sp>
         <p:nvSpPr>
-          <p:cNvPr id="7" name="TextBox 6">
-            <a:extLst>
-              <a:ext uri="{FF2B5EF4-FFF2-40B4-BE49-F238E27FC236}">
-                <a16:creationId xmlns:a16="http://schemas.microsoft.com/office/drawing/2014/main" id="{41344B9A-6DA9-BEAD-3676-0CF501AE0652}"/>
+          <p:cNvPr id="5" name="TextBox 4">
+            <a:extLst>
+              <a:ext uri="{FF2B5EF4-FFF2-40B4-BE49-F238E27FC236}">
+                <a16:creationId xmlns:a16="http://schemas.microsoft.com/office/drawing/2014/main" id="{F4FA6956-9E4D-4A76-43D0-3AAA46790F3E}"/>
               </a:ext>
             </a:extLst>
           </p:cNvPr>
@@ -6106,8 +7888,8 @@
         </p:nvSpPr>
         <p:spPr>
           <a:xfrm>
-            <a:off x="576943" y="1969472"/>
-            <a:ext cx="6096000" cy="923330"/>
+            <a:off x="469076" y="2152567"/>
+            <a:ext cx="6097978" cy="923330"/>
           </a:xfrm>
           <a:prstGeom prst="rect">
             <a:avLst/>
@@ -6122,19 +7904,19 @@
           <a:p>
             <a:r>
               <a:rPr lang="en-US" dirty="0"/>
-              <a:t>Pearson rank correlation coefficient: 0.148 </a:t>
+              <a:t>Pearson rank correlation coefficient: 0.175 </a:t>
             </a:r>
           </a:p>
           <a:p>
             <a:r>
               <a:rPr lang="en-US" dirty="0"/>
-              <a:t>Spearman rank correlation coefficient: 0.318 </a:t>
+              <a:t>Spearman rank correlation coefficient: 0.315 </a:t>
             </a:r>
           </a:p>
           <a:p>
             <a:r>
               <a:rPr lang="en-US" dirty="0"/>
-              <a:t>Coefficient of Determination (R^2): 0.022</a:t>
+              <a:t>Coefficient of Determination (R^2): 0.031</a:t>
             </a:r>
           </a:p>
         </p:txBody>
@@ -6142,7 +7924,7 @@
     </p:spTree>
     <p:extLst>
       <p:ext uri="{BB962C8B-B14F-4D97-AF65-F5344CB8AC3E}">
-        <p14:creationId xmlns:p14="http://schemas.microsoft.com/office/powerpoint/2010/main" val="2763029526"/>
+        <p14:creationId xmlns:p14="http://schemas.microsoft.com/office/powerpoint/2010/main" val="1406652071"/>
       </p:ext>
     </p:extLst>
   </p:cSld>
@@ -6179,7 +7961,7 @@
       </p:grpSpPr>
       <p:sp useBgFill="1">
         <p:nvSpPr>
-          <p:cNvPr id="6161" name="Rectangle 6160">
+          <p:cNvPr id="3089" name="Rectangle 3088">
             <a:extLst>
               <a:ext uri="{FF2B5EF4-FFF2-40B4-BE49-F238E27FC236}">
                 <a16:creationId xmlns:a16="http://schemas.microsoft.com/office/drawing/2014/main" id="{70155189-D96C-4527-B0EC-654B946BE615}"/>
@@ -6242,7 +8024,7 @@
           <p:cNvPr id="2" name="Title 1">
             <a:extLst>
               <a:ext uri="{FF2B5EF4-FFF2-40B4-BE49-F238E27FC236}">
-                <a16:creationId xmlns:a16="http://schemas.microsoft.com/office/drawing/2014/main" id="{5DD184F7-5C50-278D-E5FB-0EDB1415BA17}"/>
+                <a16:creationId xmlns:a16="http://schemas.microsoft.com/office/drawing/2014/main" id="{F1C666BC-0FA6-2E59-75FE-98976F49F216}"/>
               </a:ext>
             </a:extLst>
           </p:cNvPr>
@@ -6255,36 +8037,29 @@
         </p:nvSpPr>
         <p:spPr>
           <a:xfrm>
-            <a:off x="838200" y="557189"/>
-            <a:ext cx="10515600" cy="2057043"/>
-          </a:xfrm>
-        </p:spPr>
-        <p:txBody>
-          <a:bodyPr vert="horz" lIns="91440" tIns="45720" rIns="91440" bIns="45720" rtlCol="0" anchor="ctr">
+            <a:off x="1198181" y="557189"/>
+            <a:ext cx="9795637" cy="1104857"/>
+          </a:xfrm>
+        </p:spPr>
+        <p:txBody>
+          <a:bodyPr vert="horz" lIns="91440" tIns="45720" rIns="91440" bIns="45720" rtlCol="0" anchor="b">
             <a:normAutofit/>
           </a:bodyPr>
           <a:lstStyle/>
           <a:p>
             <a:r>
-              <a:rPr lang="en-US" sz="5200" kern="1200" dirty="0">
-                <a:solidFill>
-                  <a:schemeClr val="tx1"/>
-                </a:solidFill>
-                <a:latin typeface="+mj-lt"/>
-                <a:ea typeface="+mj-ea"/>
-                <a:cs typeface="+mj-cs"/>
-              </a:rPr>
-              <a:t>PHI: 15.5</a:t>
+              <a:rPr lang="en-US" sz="5200" dirty="0"/>
+              <a:t>PHI: 11.0</a:t>
             </a:r>
           </a:p>
         </p:txBody>
       </p:sp>
       <p:pic>
         <p:nvPicPr>
-          <p:cNvPr id="6154" name="Picture 10">
-            <a:extLst>
-              <a:ext uri="{FF2B5EF4-FFF2-40B4-BE49-F238E27FC236}">
-                <a16:creationId xmlns:a16="http://schemas.microsoft.com/office/drawing/2014/main" id="{4C213E99-1A8F-BDE3-220E-4FEF3DE54EBF}"/>
+          <p:cNvPr id="3082" name="Picture 10" descr="A screen shot of a graph&#10;&#10;Description automatically generated">
+            <a:extLst>
+              <a:ext uri="{FF2B5EF4-FFF2-40B4-BE49-F238E27FC236}">
+                <a16:creationId xmlns:a16="http://schemas.microsoft.com/office/drawing/2014/main" id="{3DDC0260-187C-84F2-2E74-97B1FD5092CB}"/>
               </a:ext>
             </a:extLst>
           </p:cNvPr>
@@ -6327,10 +8102,10 @@
       </p:pic>
       <p:pic>
         <p:nvPicPr>
-          <p:cNvPr id="6152" name="Picture 8">
-            <a:extLst>
-              <a:ext uri="{FF2B5EF4-FFF2-40B4-BE49-F238E27FC236}">
-                <a16:creationId xmlns:a16="http://schemas.microsoft.com/office/drawing/2014/main" id="{3F899E3C-819F-8110-32F4-591F30EFB05F}"/>
+          <p:cNvPr id="3080" name="Picture 8" descr="A graph with black dots&#10;&#10;Description automatically generated">
+            <a:extLst>
+              <a:ext uri="{FF2B5EF4-FFF2-40B4-BE49-F238E27FC236}">
+                <a16:creationId xmlns:a16="http://schemas.microsoft.com/office/drawing/2014/main" id="{1D790ABC-3B5C-350F-20C7-006E8A4F295D}"/>
               </a:ext>
             </a:extLst>
           </p:cNvPr>
@@ -6353,7 +8128,7 @@
         </p:blipFill>
         <p:spPr bwMode="auto">
           <a:xfrm>
-            <a:off x="199429" y="3204506"/>
+            <a:off x="199429" y="3200228"/>
             <a:ext cx="3797536" cy="2686298"/>
           </a:xfrm>
           <a:prstGeom prst="rect">
@@ -6373,10 +8148,10 @@
       </p:pic>
       <p:pic>
         <p:nvPicPr>
-          <p:cNvPr id="6156" name="Picture 12">
-            <a:extLst>
-              <a:ext uri="{FF2B5EF4-FFF2-40B4-BE49-F238E27FC236}">
-                <a16:creationId xmlns:a16="http://schemas.microsoft.com/office/drawing/2014/main" id="{CAABDD05-0D26-D004-9E9C-F03AF5DCAEAD}"/>
+          <p:cNvPr id="3084" name="Picture 12" descr="A screen shot of a graph&#10;&#10;Description automatically generated">
+            <a:extLst>
+              <a:ext uri="{FF2B5EF4-FFF2-40B4-BE49-F238E27FC236}">
+                <a16:creationId xmlns:a16="http://schemas.microsoft.com/office/drawing/2014/main" id="{F0D0F52A-D98E-5620-5DB9-36EA1508B890}"/>
               </a:ext>
             </a:extLst>
           </p:cNvPr>
@@ -6419,10 +8194,10 @@
       </p:pic>
       <p:sp>
         <p:nvSpPr>
-          <p:cNvPr id="9" name="TextBox 8">
-            <a:extLst>
-              <a:ext uri="{FF2B5EF4-FFF2-40B4-BE49-F238E27FC236}">
-                <a16:creationId xmlns:a16="http://schemas.microsoft.com/office/drawing/2014/main" id="{707D19FF-366B-164A-2E8A-68B83C05C7BA}"/>
+          <p:cNvPr id="7" name="TextBox 6">
+            <a:extLst>
+              <a:ext uri="{FF2B5EF4-FFF2-40B4-BE49-F238E27FC236}">
+                <a16:creationId xmlns:a16="http://schemas.microsoft.com/office/drawing/2014/main" id="{FFDFEDEB-23A2-1F98-F903-47555208706E}"/>
               </a:ext>
             </a:extLst>
           </p:cNvPr>
@@ -6431,8 +8206,8 @@
         </p:nvSpPr>
         <p:spPr>
           <a:xfrm>
-            <a:off x="490847" y="2174500"/>
-            <a:ext cx="6097978" cy="923330"/>
+            <a:off x="555171" y="1969472"/>
+            <a:ext cx="6096000" cy="923330"/>
           </a:xfrm>
           <a:prstGeom prst="rect">
             <a:avLst/>
@@ -6447,19 +8222,19 @@
           <a:p>
             <a:r>
               <a:rPr lang="en-US" dirty="0"/>
-              <a:t>Pearson rank correlation coefficient: 0.184 </a:t>
+              <a:t>Pearson rank correlation coefficient: 0.160 </a:t>
             </a:r>
           </a:p>
           <a:p>
             <a:r>
               <a:rPr lang="en-US" dirty="0"/>
-              <a:t>Spearman rank correlation coefficient: 0.337 </a:t>
+              <a:t>Spearman rank correlation coefficient: 0.285 </a:t>
             </a:r>
           </a:p>
           <a:p>
             <a:r>
               <a:rPr lang="en-US" dirty="0"/>
-              <a:t>Coefficient of Determination (R^2): 0.034</a:t>
+              <a:t>Coefficient of Determination (R^2): 0.026</a:t>
             </a:r>
           </a:p>
         </p:txBody>
@@ -6467,7 +8242,7 @@
     </p:spTree>
     <p:extLst>
       <p:ext uri="{BB962C8B-B14F-4D97-AF65-F5344CB8AC3E}">
-        <p14:creationId xmlns:p14="http://schemas.microsoft.com/office/powerpoint/2010/main" val="2837487757"/>
+        <p14:creationId xmlns:p14="http://schemas.microsoft.com/office/powerpoint/2010/main" val="4150645701"/>
       </p:ext>
     </p:extLst>
   </p:cSld>
@@ -6504,7 +8279,7 @@
       </p:grpSpPr>
       <p:sp useBgFill="1">
         <p:nvSpPr>
-          <p:cNvPr id="7191" name="Rectangle 7190">
+          <p:cNvPr id="11277" name="Rectangle 11276">
             <a:extLst>
               <a:ext uri="{FF2B5EF4-FFF2-40B4-BE49-F238E27FC236}">
                 <a16:creationId xmlns:a16="http://schemas.microsoft.com/office/drawing/2014/main" id="{70155189-D96C-4527-B0EC-654B946BE615}"/>
@@ -6567,7 +8342,7 @@
           <p:cNvPr id="2" name="Title 1">
             <a:extLst>
               <a:ext uri="{FF2B5EF4-FFF2-40B4-BE49-F238E27FC236}">
-                <a16:creationId xmlns:a16="http://schemas.microsoft.com/office/drawing/2014/main" id="{8423BC59-C0AA-5CFE-848E-E7350C081F04}"/>
+                <a16:creationId xmlns:a16="http://schemas.microsoft.com/office/drawing/2014/main" id="{308BB4E1-FD0E-5781-56E8-49F6E26089E2}"/>
               </a:ext>
             </a:extLst>
           </p:cNvPr>
@@ -6599,17 +8374,17 @@
                 <a:ea typeface="+mj-ea"/>
                 <a:cs typeface="+mj-cs"/>
               </a:rPr>
-              <a:t>PHI: 17.0</a:t>
+              <a:t>PHI: 11.5</a:t>
             </a:r>
           </a:p>
         </p:txBody>
       </p:sp>
       <p:pic>
         <p:nvPicPr>
-          <p:cNvPr id="7184" name="Picture 16">
-            <a:extLst>
-              <a:ext uri="{FF2B5EF4-FFF2-40B4-BE49-F238E27FC236}">
-                <a16:creationId xmlns:a16="http://schemas.microsoft.com/office/drawing/2014/main" id="{00BBA7DC-97A2-D997-6D1F-D61032578651}"/>
+          <p:cNvPr id="11268" name="Picture 4">
+            <a:extLst>
+              <a:ext uri="{FF2B5EF4-FFF2-40B4-BE49-F238E27FC236}">
+                <a16:creationId xmlns:a16="http://schemas.microsoft.com/office/drawing/2014/main" id="{0023C6FD-1CF7-C6F4-98F6-6E3F4B6C636B}"/>
               </a:ext>
             </a:extLst>
           </p:cNvPr>
@@ -6632,7 +8407,7 @@
         </p:blipFill>
         <p:spPr bwMode="auto">
           <a:xfrm>
-            <a:off x="4195707" y="3171421"/>
+            <a:off x="4196395" y="3200228"/>
             <a:ext cx="3797536" cy="2686298"/>
           </a:xfrm>
           <a:prstGeom prst="rect">
@@ -6652,10 +8427,10 @@
       </p:pic>
       <p:pic>
         <p:nvPicPr>
-          <p:cNvPr id="7182" name="Picture 14">
-            <a:extLst>
-              <a:ext uri="{FF2B5EF4-FFF2-40B4-BE49-F238E27FC236}">
-                <a16:creationId xmlns:a16="http://schemas.microsoft.com/office/drawing/2014/main" id="{B3442DB6-F90A-3565-6959-FB0D5557D018}"/>
+          <p:cNvPr id="11266" name="Picture 2">
+            <a:extLst>
+              <a:ext uri="{FF2B5EF4-FFF2-40B4-BE49-F238E27FC236}">
+                <a16:creationId xmlns:a16="http://schemas.microsoft.com/office/drawing/2014/main" id="{E418DE89-4F66-85F6-6E18-F4BBE12F830B}"/>
               </a:ext>
             </a:extLst>
           </p:cNvPr>
@@ -6678,7 +8453,7 @@
         </p:blipFill>
         <p:spPr bwMode="auto">
           <a:xfrm>
-            <a:off x="198741" y="3200228"/>
+            <a:off x="200117" y="3200228"/>
             <a:ext cx="3797536" cy="2686298"/>
           </a:xfrm>
           <a:prstGeom prst="rect">
@@ -6698,10 +8473,10 @@
       </p:pic>
       <p:pic>
         <p:nvPicPr>
-          <p:cNvPr id="7186" name="Picture 18">
-            <a:extLst>
-              <a:ext uri="{FF2B5EF4-FFF2-40B4-BE49-F238E27FC236}">
-                <a16:creationId xmlns:a16="http://schemas.microsoft.com/office/drawing/2014/main" id="{9CCD3F6B-FDCF-660B-D4EB-14080DD40BAE}"/>
+          <p:cNvPr id="11272" name="Picture 8">
+            <a:extLst>
+              <a:ext uri="{FF2B5EF4-FFF2-40B4-BE49-F238E27FC236}">
+                <a16:creationId xmlns:a16="http://schemas.microsoft.com/office/drawing/2014/main" id="{90953338-245C-2E85-804A-50FB3E7CF9D6}"/>
               </a:ext>
             </a:extLst>
           </p:cNvPr>
@@ -6744,10 +8519,10 @@
       </p:pic>
       <p:sp>
         <p:nvSpPr>
-          <p:cNvPr id="9" name="TextBox 8">
-            <a:extLst>
-              <a:ext uri="{FF2B5EF4-FFF2-40B4-BE49-F238E27FC236}">
-                <a16:creationId xmlns:a16="http://schemas.microsoft.com/office/drawing/2014/main" id="{BBA4E92C-9DCF-AEE7-678F-7301C9C44FD3}"/>
+          <p:cNvPr id="5" name="TextBox 4">
+            <a:extLst>
+              <a:ext uri="{FF2B5EF4-FFF2-40B4-BE49-F238E27FC236}">
+                <a16:creationId xmlns:a16="http://schemas.microsoft.com/office/drawing/2014/main" id="{8B9F14CD-B66E-618A-9A17-6D397ED2AFEB}"/>
               </a:ext>
             </a:extLst>
           </p:cNvPr>
@@ -6756,7 +8531,7 @@
         </p:nvSpPr>
         <p:spPr>
           <a:xfrm>
-            <a:off x="534390" y="2152567"/>
+            <a:off x="371104" y="2152567"/>
             <a:ext cx="6097978" cy="923330"/>
           </a:xfrm>
           <a:prstGeom prst="rect">
@@ -6772,19 +8547,19 @@
           <a:p>
             <a:r>
               <a:rPr lang="en-US" dirty="0"/>
-              <a:t>Pearson rank correlation coefficient: 0.162 </a:t>
+              <a:t>Pearson rank correlation coefficient: 0.156 </a:t>
             </a:r>
           </a:p>
           <a:p>
             <a:r>
               <a:rPr lang="en-US" dirty="0"/>
-              <a:t>Spearman rank correlation coefficient: 0.262 </a:t>
+              <a:t>Spearman rank correlation coefficient: 0.278 </a:t>
             </a:r>
           </a:p>
           <a:p>
             <a:r>
               <a:rPr lang="en-US" dirty="0"/>
-              <a:t>Coefficient of Determination (R^2): 0.026</a:t>
+              <a:t>Coefficient of Determination (R^2): 0.024</a:t>
             </a:r>
           </a:p>
         </p:txBody>
@@ -6792,7 +8567,7 @@
     </p:spTree>
     <p:extLst>
       <p:ext uri="{BB962C8B-B14F-4D97-AF65-F5344CB8AC3E}">
-        <p14:creationId xmlns:p14="http://schemas.microsoft.com/office/powerpoint/2010/main" val="1579801320"/>
+        <p14:creationId xmlns:p14="http://schemas.microsoft.com/office/powerpoint/2010/main" val="1992495027"/>
       </p:ext>
     </p:extLst>
   </p:cSld>
